--- a/Design/ApresentaçãoDesign.pptx
+++ b/Design/ApresentaçãoDesign.pptx
@@ -2,17 +2,19 @@
 <file path=ppt/presentation.xml><?xml version="1.0" encoding="utf-8"?>
 <p:presentation xmlns:a="http://schemas.openxmlformats.org/drawingml/2006/main" xmlns:r="http://schemas.openxmlformats.org/officeDocument/2006/relationships" xmlns:p="http://schemas.openxmlformats.org/presentationml/2006/main" saveSubsetFonts="1">
   <p:sldMasterIdLst>
-    <p:sldMasterId id="2147483648" r:id="rId1"/>
+    <p:sldMasterId id="2147483660" r:id="rId1"/>
   </p:sldMasterIdLst>
   <p:sldIdLst>
     <p:sldId id="256" r:id="rId2"/>
     <p:sldId id="265" r:id="rId3"/>
     <p:sldId id="261" r:id="rId4"/>
     <p:sldId id="257" r:id="rId5"/>
-    <p:sldId id="258" r:id="rId6"/>
-    <p:sldId id="259" r:id="rId7"/>
-    <p:sldId id="260" r:id="rId8"/>
-    <p:sldId id="266" r:id="rId9"/>
+    <p:sldId id="267" r:id="rId6"/>
+    <p:sldId id="258" r:id="rId7"/>
+    <p:sldId id="268" r:id="rId8"/>
+    <p:sldId id="259" r:id="rId9"/>
+    <p:sldId id="260" r:id="rId10"/>
+    <p:sldId id="266" r:id="rId11"/>
   </p:sldIdLst>
   <p:sldSz cx="9144000" cy="6858000" type="screen4x3"/>
   <p:notesSz cx="6858000" cy="9144000"/>
@@ -116,7 +118,7 @@
 
 <file path=ppt/slideLayouts/slideLayout1.xml><?xml version="1.0" encoding="utf-8"?>
 <p:sldLayout xmlns:a="http://schemas.openxmlformats.org/drawingml/2006/main" xmlns:r="http://schemas.openxmlformats.org/officeDocument/2006/relationships" xmlns:p="http://schemas.openxmlformats.org/presentationml/2006/main" type="title" preserve="1">
-  <p:cSld name="Slide de título">
+  <p:cSld name="Title Slide">
     <p:spTree>
       <p:nvGrpSpPr>
         <p:cNvPr id="1" name=""/>
@@ -133,7 +135,7 @@
       </p:grpSpPr>
       <p:sp>
         <p:nvSpPr>
-          <p:cNvPr id="2" name="Título 1"/>
+          <p:cNvPr id="8" name="Title 7"/>
           <p:cNvSpPr>
             <a:spLocks noGrp="1"/>
           </p:cNvSpPr>
@@ -143,25 +145,141 @@
         </p:nvSpPr>
         <p:spPr>
           <a:xfrm>
-            <a:off x="685800" y="2130425"/>
-            <a:ext cx="7772400" cy="1470025"/>
+            <a:off x="422030" y="1371600"/>
+            <a:ext cx="8229600" cy="1828800"/>
           </a:xfrm>
         </p:spPr>
         <p:txBody>
-          <a:bodyPr/>
-          <a:lstStyle/>
-          <a:p>
-            <a:r>
+          <a:bodyPr vert="horz" lIns="45720" tIns="0" rIns="45720" bIns="0" anchor="b">
+            <a:normAutofit/>
+            <a:scene3d>
+              <a:camera prst="orthographicFront"/>
+              <a:lightRig rig="soft" dir="t">
+                <a:rot lat="0" lon="0" rev="17220000"/>
+              </a:lightRig>
+            </a:scene3d>
+            <a:sp3d prstMaterial="softEdge">
+              <a:bevelT w="38100" h="38100"/>
+            </a:sp3d>
+          </a:bodyPr>
+          <a:lstStyle>
+            <a:lvl1pPr>
+              <a:defRPr sz="4800" b="1" cap="all" baseline="0">
+                <a:ln w="6350">
+                  <a:noFill/>
+                </a:ln>
+                <a:gradFill>
+                  <a:gsLst>
+                    <a:gs pos="0">
+                      <a:schemeClr val="accent1">
+                        <a:tint val="73000"/>
+                        <a:satMod val="145000"/>
+                      </a:schemeClr>
+                    </a:gs>
+                    <a:gs pos="73000">
+                      <a:schemeClr val="accent1">
+                        <a:tint val="73000"/>
+                        <a:satMod val="145000"/>
+                      </a:schemeClr>
+                    </a:gs>
+                    <a:gs pos="100000">
+                      <a:schemeClr val="accent1">
+                        <a:tint val="83000"/>
+                        <a:satMod val="143000"/>
+                      </a:schemeClr>
+                    </a:gs>
+                  </a:gsLst>
+                  <a:lin ang="4800000" scaled="1"/>
+                </a:gradFill>
+                <a:effectLst>
+                  <a:outerShdw blurRad="127000" dist="200000" dir="2700000" algn="tl" rotWithShape="0">
+                    <a:srgbClr val="000000">
+                      <a:alpha val="30000"/>
+                    </a:srgbClr>
+                  </a:outerShdw>
+                </a:effectLst>
+              </a:defRPr>
+            </a:lvl1pPr>
+          </a:lstStyle>
+          <a:p>
+            <a:r>
+              <a:rPr kumimoji="0" lang="en-US" smtClean="0"/>
+              <a:t>Click to edit Master title style</a:t>
+            </a:r>
+            <a:endParaRPr kumimoji="0" lang="en-US"/>
+          </a:p>
+        </p:txBody>
+      </p:sp>
+      <p:sp>
+        <p:nvSpPr>
+          <p:cNvPr id="28" name="Date Placeholder 27"/>
+          <p:cNvSpPr>
+            <a:spLocks noGrp="1"/>
+          </p:cNvSpPr>
+          <p:nvPr>
+            <p:ph type="dt" sz="half" idx="10"/>
+          </p:nvPr>
+        </p:nvSpPr>
+        <p:spPr/>
+        <p:txBody>
+          <a:bodyPr/>
+          <a:lstStyle/>
+          <a:p>
+            <a:fld id="{73948A2C-A351-44A5-9543-EA3B6BD94DE1}" type="datetimeFigureOut">
               <a:rPr lang="pt-BR" smtClean="0"/>
-              <a:t>Clique para editar o título mestre</a:t>
-            </a:r>
+              <a:pPr/>
+              <a:t>13/6/2013</a:t>
+            </a:fld>
             <a:endParaRPr lang="pt-BR"/>
           </a:p>
         </p:txBody>
       </p:sp>
       <p:sp>
         <p:nvSpPr>
-          <p:cNvPr id="3" name="Subtítulo 2"/>
+          <p:cNvPr id="17" name="Footer Placeholder 16"/>
+          <p:cNvSpPr>
+            <a:spLocks noGrp="1"/>
+          </p:cNvSpPr>
+          <p:nvPr>
+            <p:ph type="ftr" sz="quarter" idx="11"/>
+          </p:nvPr>
+        </p:nvSpPr>
+        <p:spPr/>
+        <p:txBody>
+          <a:bodyPr/>
+          <a:lstStyle/>
+          <a:p>
+            <a:endParaRPr lang="pt-BR"/>
+          </a:p>
+        </p:txBody>
+      </p:sp>
+      <p:sp>
+        <p:nvSpPr>
+          <p:cNvPr id="29" name="Slide Number Placeholder 28"/>
+          <p:cNvSpPr>
+            <a:spLocks noGrp="1"/>
+          </p:cNvSpPr>
+          <p:nvPr>
+            <p:ph type="sldNum" sz="quarter" idx="12"/>
+          </p:nvPr>
+        </p:nvSpPr>
+        <p:spPr/>
+        <p:txBody>
+          <a:bodyPr/>
+          <a:lstStyle/>
+          <a:p>
+            <a:fld id="{193FF5D9-4674-4F21-ABEA-BCF3C230FAB2}" type="slidenum">
+              <a:rPr lang="pt-BR" smtClean="0"/>
+              <a:pPr/>
+              <a:t>‹#›</a:t>
+            </a:fld>
+            <a:endParaRPr lang="pt-BR"/>
+          </a:p>
+        </p:txBody>
+      </p:sp>
+      <p:sp>
+        <p:nvSpPr>
+          <p:cNvPr id="9" name="Subtitle 8"/>
           <p:cNvSpPr>
             <a:spLocks noGrp="1"/>
           </p:cNvSpPr>
@@ -171,7 +289,7 @@
         </p:nvSpPr>
         <p:spPr>
           <a:xfrm>
-            <a:off x="1371600" y="3886200"/>
+            <a:off x="1371600" y="3331698"/>
             <a:ext cx="6400800" cy="1752600"/>
           </a:xfrm>
         </p:spPr>
@@ -182,175 +300,45 @@
               <a:buNone/>
               <a:defRPr>
                 <a:solidFill>
-                  <a:schemeClr val="tx1">
-                    <a:tint val="75000"/>
-                  </a:schemeClr>
+                  <a:schemeClr val="tx1"/>
                 </a:solidFill>
               </a:defRPr>
             </a:lvl1pPr>
             <a:lvl2pPr marL="457200" indent="0" algn="ctr">
               <a:buNone/>
-              <a:defRPr>
-                <a:solidFill>
-                  <a:schemeClr val="tx1">
-                    <a:tint val="75000"/>
-                  </a:schemeClr>
-                </a:solidFill>
-              </a:defRPr>
             </a:lvl2pPr>
             <a:lvl3pPr marL="914400" indent="0" algn="ctr">
               <a:buNone/>
-              <a:defRPr>
-                <a:solidFill>
-                  <a:schemeClr val="tx1">
-                    <a:tint val="75000"/>
-                  </a:schemeClr>
-                </a:solidFill>
-              </a:defRPr>
             </a:lvl3pPr>
             <a:lvl4pPr marL="1371600" indent="0" algn="ctr">
               <a:buNone/>
-              <a:defRPr>
-                <a:solidFill>
-                  <a:schemeClr val="tx1">
-                    <a:tint val="75000"/>
-                  </a:schemeClr>
-                </a:solidFill>
-              </a:defRPr>
             </a:lvl4pPr>
             <a:lvl5pPr marL="1828800" indent="0" algn="ctr">
               <a:buNone/>
-              <a:defRPr>
-                <a:solidFill>
-                  <a:schemeClr val="tx1">
-                    <a:tint val="75000"/>
-                  </a:schemeClr>
-                </a:solidFill>
-              </a:defRPr>
             </a:lvl5pPr>
             <a:lvl6pPr marL="2286000" indent="0" algn="ctr">
               <a:buNone/>
-              <a:defRPr>
-                <a:solidFill>
-                  <a:schemeClr val="tx1">
-                    <a:tint val="75000"/>
-                  </a:schemeClr>
-                </a:solidFill>
-              </a:defRPr>
             </a:lvl6pPr>
             <a:lvl7pPr marL="2743200" indent="0" algn="ctr">
               <a:buNone/>
-              <a:defRPr>
-                <a:solidFill>
-                  <a:schemeClr val="tx1">
-                    <a:tint val="75000"/>
-                  </a:schemeClr>
-                </a:solidFill>
-              </a:defRPr>
             </a:lvl7pPr>
             <a:lvl8pPr marL="3200400" indent="0" algn="ctr">
               <a:buNone/>
-              <a:defRPr>
-                <a:solidFill>
-                  <a:schemeClr val="tx1">
-                    <a:tint val="75000"/>
-                  </a:schemeClr>
-                </a:solidFill>
-              </a:defRPr>
             </a:lvl8pPr>
             <a:lvl9pPr marL="3657600" indent="0" algn="ctr">
               <a:buNone/>
-              <a:defRPr>
-                <a:solidFill>
-                  <a:schemeClr val="tx1">
-                    <a:tint val="75000"/>
-                  </a:schemeClr>
-                </a:solidFill>
-              </a:defRPr>
             </a:lvl9pPr>
           </a:lstStyle>
           <a:p>
             <a:r>
-              <a:rPr lang="pt-BR" smtClean="0"/>
-              <a:t>Clique para editar o estilo do subtítulo mestre</a:t>
-            </a:r>
-            <a:endParaRPr lang="pt-BR"/>
-          </a:p>
-        </p:txBody>
-      </p:sp>
-      <p:sp>
-        <p:nvSpPr>
-          <p:cNvPr id="4" name="Espaço Reservado para Data 3"/>
-          <p:cNvSpPr>
-            <a:spLocks noGrp="1"/>
-          </p:cNvSpPr>
-          <p:nvPr>
-            <p:ph type="dt" sz="half" idx="10"/>
-          </p:nvPr>
-        </p:nvSpPr>
-        <p:spPr/>
-        <p:txBody>
-          <a:bodyPr/>
-          <a:lstStyle/>
-          <a:p>
-            <a:fld id="{73948A2C-A351-44A5-9543-EA3B6BD94DE1}" type="datetimeFigureOut">
-              <a:rPr lang="pt-BR" smtClean="0"/>
-              <a:pPr/>
-              <a:t>16/05/2013</a:t>
-            </a:fld>
-            <a:endParaRPr lang="pt-BR"/>
-          </a:p>
-        </p:txBody>
-      </p:sp>
-      <p:sp>
-        <p:nvSpPr>
-          <p:cNvPr id="5" name="Espaço Reservado para Rodapé 4"/>
-          <p:cNvSpPr>
-            <a:spLocks noGrp="1"/>
-          </p:cNvSpPr>
-          <p:nvPr>
-            <p:ph type="ftr" sz="quarter" idx="11"/>
-          </p:nvPr>
-        </p:nvSpPr>
-        <p:spPr/>
-        <p:txBody>
-          <a:bodyPr/>
-          <a:lstStyle/>
-          <a:p>
-            <a:endParaRPr lang="pt-BR"/>
-          </a:p>
-        </p:txBody>
-      </p:sp>
-      <p:sp>
-        <p:nvSpPr>
-          <p:cNvPr id="6" name="Espaço Reservado para Número de Slide 5"/>
-          <p:cNvSpPr>
-            <a:spLocks noGrp="1"/>
-          </p:cNvSpPr>
-          <p:nvPr>
-            <p:ph type="sldNum" sz="quarter" idx="12"/>
-          </p:nvPr>
-        </p:nvSpPr>
-        <p:spPr/>
-        <p:txBody>
-          <a:bodyPr/>
-          <a:lstStyle/>
-          <a:p>
-            <a:fld id="{193FF5D9-4674-4F21-ABEA-BCF3C230FAB2}" type="slidenum">
-              <a:rPr lang="pt-BR" smtClean="0"/>
-              <a:pPr/>
-              <a:t>‹nº›</a:t>
-            </a:fld>
-            <a:endParaRPr lang="pt-BR"/>
+              <a:rPr kumimoji="0" lang="en-US" smtClean="0"/>
+              <a:t>Click to edit Master subtitle style</a:t>
+            </a:r>
+            <a:endParaRPr kumimoji="0" lang="en-US"/>
           </a:p>
         </p:txBody>
       </p:sp>
     </p:spTree>
-    <p:extLst>
-      <p:ext uri="{BB962C8B-B14F-4D97-AF65-F5344CB8AC3E}">
-        <p14:creationId xmlns:p14="http://schemas.microsoft.com/office/powerpoint/2010/main" xmlns="" val="2020369639"/>
-      </p:ext>
-    </p:extLst>
   </p:cSld>
   <p:clrMapOvr>
     <a:masterClrMapping/>
@@ -360,7 +348,7 @@
 
 <file path=ppt/slideLayouts/slideLayout10.xml><?xml version="1.0" encoding="utf-8"?>
 <p:sldLayout xmlns:a="http://schemas.openxmlformats.org/drawingml/2006/main" xmlns:r="http://schemas.openxmlformats.org/officeDocument/2006/relationships" xmlns:p="http://schemas.openxmlformats.org/presentationml/2006/main" type="vertTx" preserve="1">
-  <p:cSld name="Título e texto vertical">
+  <p:cSld name="Title and Vertical Text">
     <p:spTree>
       <p:nvGrpSpPr>
         <p:cNvPr id="1" name=""/>
@@ -377,7 +365,7 @@
       </p:grpSpPr>
       <p:sp>
         <p:nvSpPr>
-          <p:cNvPr id="2" name="Título 1"/>
+          <p:cNvPr id="2" name="Title 1"/>
           <p:cNvSpPr>
             <a:spLocks noGrp="1"/>
           </p:cNvSpPr>
@@ -391,16 +379,16 @@
           <a:lstStyle/>
           <a:p>
             <a:r>
-              <a:rPr lang="pt-BR" smtClean="0"/>
-              <a:t>Clique para editar o título mestre</a:t>
-            </a:r>
-            <a:endParaRPr lang="pt-BR"/>
-          </a:p>
-        </p:txBody>
-      </p:sp>
-      <p:sp>
-        <p:nvSpPr>
-          <p:cNvPr id="3" name="Espaço Reservado para Texto Vertical 2"/>
+              <a:rPr kumimoji="0" lang="en-US" smtClean="0"/>
+              <a:t>Click to edit Master title style</a:t>
+            </a:r>
+            <a:endParaRPr kumimoji="0" lang="en-US"/>
+          </a:p>
+        </p:txBody>
+      </p:sp>
+      <p:sp>
+        <p:nvSpPr>
+          <p:cNvPr id="3" name="Vertical Text Placeholder 2"/>
           <p:cNvSpPr>
             <a:spLocks noGrp="1"/>
           </p:cNvSpPr>
@@ -413,46 +401,46 @@
           <a:bodyPr vert="eaVert"/>
           <a:lstStyle/>
           <a:p>
-            <a:pPr lvl="0"/>
-            <a:r>
-              <a:rPr lang="pt-BR" smtClean="0"/>
-              <a:t>Clique para editar o texto mestre</a:t>
-            </a:r>
-          </a:p>
-          <a:p>
-            <a:pPr lvl="1"/>
-            <a:r>
-              <a:rPr lang="pt-BR" smtClean="0"/>
-              <a:t>Segundo nível</a:t>
-            </a:r>
-          </a:p>
-          <a:p>
-            <a:pPr lvl="2"/>
-            <a:r>
-              <a:rPr lang="pt-BR" smtClean="0"/>
-              <a:t>Terceiro nível</a:t>
-            </a:r>
-          </a:p>
-          <a:p>
-            <a:pPr lvl="3"/>
-            <a:r>
-              <a:rPr lang="pt-BR" smtClean="0"/>
-              <a:t>Quarto nível</a:t>
-            </a:r>
-          </a:p>
-          <a:p>
-            <a:pPr lvl="4"/>
-            <a:r>
-              <a:rPr lang="pt-BR" smtClean="0"/>
-              <a:t>Quinto nível</a:t>
-            </a:r>
-            <a:endParaRPr lang="pt-BR"/>
-          </a:p>
-        </p:txBody>
-      </p:sp>
-      <p:sp>
-        <p:nvSpPr>
-          <p:cNvPr id="4" name="Espaço Reservado para Data 3"/>
+            <a:pPr lvl="0" eaLnBrk="1" latinLnBrk="0" hangingPunct="1"/>
+            <a:r>
+              <a:rPr lang="en-US" smtClean="0"/>
+              <a:t>Click to edit Master text styles</a:t>
+            </a:r>
+          </a:p>
+          <a:p>
+            <a:pPr lvl="1" eaLnBrk="1" latinLnBrk="0" hangingPunct="1"/>
+            <a:r>
+              <a:rPr lang="en-US" smtClean="0"/>
+              <a:t>Second level</a:t>
+            </a:r>
+          </a:p>
+          <a:p>
+            <a:pPr lvl="2" eaLnBrk="1" latinLnBrk="0" hangingPunct="1"/>
+            <a:r>
+              <a:rPr lang="en-US" smtClean="0"/>
+              <a:t>Third level</a:t>
+            </a:r>
+          </a:p>
+          <a:p>
+            <a:pPr lvl="3" eaLnBrk="1" latinLnBrk="0" hangingPunct="1"/>
+            <a:r>
+              <a:rPr lang="en-US" smtClean="0"/>
+              <a:t>Fourth level</a:t>
+            </a:r>
+          </a:p>
+          <a:p>
+            <a:pPr lvl="4" eaLnBrk="1" latinLnBrk="0" hangingPunct="1"/>
+            <a:r>
+              <a:rPr lang="en-US" smtClean="0"/>
+              <a:t>Fifth level</a:t>
+            </a:r>
+            <a:endParaRPr kumimoji="0" lang="en-US"/>
+          </a:p>
+        </p:txBody>
+      </p:sp>
+      <p:sp>
+        <p:nvSpPr>
+          <p:cNvPr id="4" name="Date Placeholder 3"/>
           <p:cNvSpPr>
             <a:spLocks noGrp="1"/>
           </p:cNvSpPr>
@@ -468,7 +456,7 @@
             <a:fld id="{73948A2C-A351-44A5-9543-EA3B6BD94DE1}" type="datetimeFigureOut">
               <a:rPr lang="pt-BR" smtClean="0"/>
               <a:pPr/>
-              <a:t>16/05/2013</a:t>
+              <a:t>13/6/2013</a:t>
             </a:fld>
             <a:endParaRPr lang="pt-BR"/>
           </a:p>
@@ -476,7 +464,7 @@
       </p:sp>
       <p:sp>
         <p:nvSpPr>
-          <p:cNvPr id="5" name="Espaço Reservado para Rodapé 4"/>
+          <p:cNvPr id="5" name="Footer Placeholder 4"/>
           <p:cNvSpPr>
             <a:spLocks noGrp="1"/>
           </p:cNvSpPr>
@@ -495,7 +483,7 @@
       </p:sp>
       <p:sp>
         <p:nvSpPr>
-          <p:cNvPr id="6" name="Espaço Reservado para Número de Slide 5"/>
+          <p:cNvPr id="6" name="Slide Number Placeholder 5"/>
           <p:cNvSpPr>
             <a:spLocks noGrp="1"/>
           </p:cNvSpPr>
@@ -511,18 +499,13 @@
             <a:fld id="{193FF5D9-4674-4F21-ABEA-BCF3C230FAB2}" type="slidenum">
               <a:rPr lang="pt-BR" smtClean="0"/>
               <a:pPr/>
-              <a:t>‹nº›</a:t>
+              <a:t>‹#›</a:t>
             </a:fld>
             <a:endParaRPr lang="pt-BR"/>
           </a:p>
         </p:txBody>
       </p:sp>
     </p:spTree>
-    <p:extLst>
-      <p:ext uri="{BB962C8B-B14F-4D97-AF65-F5344CB8AC3E}">
-        <p14:creationId xmlns:p14="http://schemas.microsoft.com/office/powerpoint/2010/main" xmlns="" val="4044691060"/>
-      </p:ext>
-    </p:extLst>
   </p:cSld>
   <p:clrMapOvr>
     <a:masterClrMapping/>
@@ -532,7 +515,7 @@
 
 <file path=ppt/slideLayouts/slideLayout11.xml><?xml version="1.0" encoding="utf-8"?>
 <p:sldLayout xmlns:a="http://schemas.openxmlformats.org/drawingml/2006/main" xmlns:r="http://schemas.openxmlformats.org/officeDocument/2006/relationships" xmlns:p="http://schemas.openxmlformats.org/presentationml/2006/main" type="vertTitleAndTx" preserve="1">
-  <p:cSld name="Título e texto verticais">
+  <p:cSld name="Vertical Title and Text">
     <p:spTree>
       <p:nvGrpSpPr>
         <p:cNvPr id="1" name=""/>
@@ -549,7 +532,7 @@
       </p:grpSpPr>
       <p:sp>
         <p:nvSpPr>
-          <p:cNvPr id="2" name="Título Vertical 1"/>
+          <p:cNvPr id="2" name="Vertical Title 1"/>
           <p:cNvSpPr>
             <a:spLocks noGrp="1"/>
           </p:cNvSpPr>
@@ -568,16 +551,16 @@
           <a:lstStyle/>
           <a:p>
             <a:r>
-              <a:rPr lang="pt-BR" smtClean="0"/>
-              <a:t>Clique para editar o título mestre</a:t>
-            </a:r>
-            <a:endParaRPr lang="pt-BR"/>
-          </a:p>
-        </p:txBody>
-      </p:sp>
-      <p:sp>
-        <p:nvSpPr>
-          <p:cNvPr id="3" name="Espaço Reservado para Texto Vertical 2"/>
+              <a:rPr kumimoji="0" lang="en-US" smtClean="0"/>
+              <a:t>Click to edit Master title style</a:t>
+            </a:r>
+            <a:endParaRPr kumimoji="0" lang="en-US"/>
+          </a:p>
+        </p:txBody>
+      </p:sp>
+      <p:sp>
+        <p:nvSpPr>
+          <p:cNvPr id="3" name="Vertical Text Placeholder 2"/>
           <p:cNvSpPr>
             <a:spLocks noGrp="1"/>
           </p:cNvSpPr>
@@ -595,46 +578,46 @@
           <a:bodyPr vert="eaVert"/>
           <a:lstStyle/>
           <a:p>
-            <a:pPr lvl="0"/>
-            <a:r>
-              <a:rPr lang="pt-BR" smtClean="0"/>
-              <a:t>Clique para editar o texto mestre</a:t>
-            </a:r>
-          </a:p>
-          <a:p>
-            <a:pPr lvl="1"/>
-            <a:r>
-              <a:rPr lang="pt-BR" smtClean="0"/>
-              <a:t>Segundo nível</a:t>
-            </a:r>
-          </a:p>
-          <a:p>
-            <a:pPr lvl="2"/>
-            <a:r>
-              <a:rPr lang="pt-BR" smtClean="0"/>
-              <a:t>Terceiro nível</a:t>
-            </a:r>
-          </a:p>
-          <a:p>
-            <a:pPr lvl="3"/>
-            <a:r>
-              <a:rPr lang="pt-BR" smtClean="0"/>
-              <a:t>Quarto nível</a:t>
-            </a:r>
-          </a:p>
-          <a:p>
-            <a:pPr lvl="4"/>
-            <a:r>
-              <a:rPr lang="pt-BR" smtClean="0"/>
-              <a:t>Quinto nível</a:t>
-            </a:r>
-            <a:endParaRPr lang="pt-BR"/>
-          </a:p>
-        </p:txBody>
-      </p:sp>
-      <p:sp>
-        <p:nvSpPr>
-          <p:cNvPr id="4" name="Espaço Reservado para Data 3"/>
+            <a:pPr lvl="0" eaLnBrk="1" latinLnBrk="0" hangingPunct="1"/>
+            <a:r>
+              <a:rPr lang="en-US" smtClean="0"/>
+              <a:t>Click to edit Master text styles</a:t>
+            </a:r>
+          </a:p>
+          <a:p>
+            <a:pPr lvl="1" eaLnBrk="1" latinLnBrk="0" hangingPunct="1"/>
+            <a:r>
+              <a:rPr lang="en-US" smtClean="0"/>
+              <a:t>Second level</a:t>
+            </a:r>
+          </a:p>
+          <a:p>
+            <a:pPr lvl="2" eaLnBrk="1" latinLnBrk="0" hangingPunct="1"/>
+            <a:r>
+              <a:rPr lang="en-US" smtClean="0"/>
+              <a:t>Third level</a:t>
+            </a:r>
+          </a:p>
+          <a:p>
+            <a:pPr lvl="3" eaLnBrk="1" latinLnBrk="0" hangingPunct="1"/>
+            <a:r>
+              <a:rPr lang="en-US" smtClean="0"/>
+              <a:t>Fourth level</a:t>
+            </a:r>
+          </a:p>
+          <a:p>
+            <a:pPr lvl="4" eaLnBrk="1" latinLnBrk="0" hangingPunct="1"/>
+            <a:r>
+              <a:rPr lang="en-US" smtClean="0"/>
+              <a:t>Fifth level</a:t>
+            </a:r>
+            <a:endParaRPr kumimoji="0" lang="en-US"/>
+          </a:p>
+        </p:txBody>
+      </p:sp>
+      <p:sp>
+        <p:nvSpPr>
+          <p:cNvPr id="4" name="Date Placeholder 3"/>
           <p:cNvSpPr>
             <a:spLocks noGrp="1"/>
           </p:cNvSpPr>
@@ -650,7 +633,7 @@
             <a:fld id="{73948A2C-A351-44A5-9543-EA3B6BD94DE1}" type="datetimeFigureOut">
               <a:rPr lang="pt-BR" smtClean="0"/>
               <a:pPr/>
-              <a:t>16/05/2013</a:t>
+              <a:t>13/6/2013</a:t>
             </a:fld>
             <a:endParaRPr lang="pt-BR"/>
           </a:p>
@@ -658,7 +641,7 @@
       </p:sp>
       <p:sp>
         <p:nvSpPr>
-          <p:cNvPr id="5" name="Espaço Reservado para Rodapé 4"/>
+          <p:cNvPr id="5" name="Footer Placeholder 4"/>
           <p:cNvSpPr>
             <a:spLocks noGrp="1"/>
           </p:cNvSpPr>
@@ -677,7 +660,7 @@
       </p:sp>
       <p:sp>
         <p:nvSpPr>
-          <p:cNvPr id="6" name="Espaço Reservado para Número de Slide 5"/>
+          <p:cNvPr id="6" name="Slide Number Placeholder 5"/>
           <p:cNvSpPr>
             <a:spLocks noGrp="1"/>
           </p:cNvSpPr>
@@ -693,18 +676,13 @@
             <a:fld id="{193FF5D9-4674-4F21-ABEA-BCF3C230FAB2}" type="slidenum">
               <a:rPr lang="pt-BR" smtClean="0"/>
               <a:pPr/>
-              <a:t>‹nº›</a:t>
+              <a:t>‹#›</a:t>
             </a:fld>
             <a:endParaRPr lang="pt-BR"/>
           </a:p>
         </p:txBody>
       </p:sp>
     </p:spTree>
-    <p:extLst>
-      <p:ext uri="{BB962C8B-B14F-4D97-AF65-F5344CB8AC3E}">
-        <p14:creationId xmlns:p14="http://schemas.microsoft.com/office/powerpoint/2010/main" xmlns="" val="1578271592"/>
-      </p:ext>
-    </p:extLst>
   </p:cSld>
   <p:clrMapOvr>
     <a:masterClrMapping/>
@@ -714,7 +692,7 @@
 
 <file path=ppt/slideLayouts/slideLayout2.xml><?xml version="1.0" encoding="utf-8"?>
 <p:sldLayout xmlns:a="http://schemas.openxmlformats.org/drawingml/2006/main" xmlns:r="http://schemas.openxmlformats.org/officeDocument/2006/relationships" xmlns:p="http://schemas.openxmlformats.org/presentationml/2006/main" type="obj" preserve="1">
-  <p:cSld name="Título e conteúdo">
+  <p:cSld name="Title and Content">
     <p:spTree>
       <p:nvGrpSpPr>
         <p:cNvPr id="1" name=""/>
@@ -731,7 +709,7 @@
       </p:grpSpPr>
       <p:sp>
         <p:nvSpPr>
-          <p:cNvPr id="2" name="Título 1"/>
+          <p:cNvPr id="2" name="Title 1"/>
           <p:cNvSpPr>
             <a:spLocks noGrp="1"/>
           </p:cNvSpPr>
@@ -745,16 +723,16 @@
           <a:lstStyle/>
           <a:p>
             <a:r>
-              <a:rPr lang="pt-BR" smtClean="0"/>
-              <a:t>Clique para editar o título mestre</a:t>
-            </a:r>
-            <a:endParaRPr lang="pt-BR"/>
-          </a:p>
-        </p:txBody>
-      </p:sp>
-      <p:sp>
-        <p:nvSpPr>
-          <p:cNvPr id="3" name="Espaço Reservado para Conteúdo 2"/>
+              <a:rPr kumimoji="0" lang="en-US" smtClean="0"/>
+              <a:t>Click to edit Master title style</a:t>
+            </a:r>
+            <a:endParaRPr kumimoji="0" lang="en-US"/>
+          </a:p>
+        </p:txBody>
+      </p:sp>
+      <p:sp>
+        <p:nvSpPr>
+          <p:cNvPr id="3" name="Content Placeholder 2"/>
           <p:cNvSpPr>
             <a:spLocks noGrp="1"/>
           </p:cNvSpPr>
@@ -767,46 +745,46 @@
           <a:bodyPr/>
           <a:lstStyle/>
           <a:p>
-            <a:pPr lvl="0"/>
-            <a:r>
-              <a:rPr lang="pt-BR" smtClean="0"/>
-              <a:t>Clique para editar o texto mestre</a:t>
-            </a:r>
-          </a:p>
-          <a:p>
-            <a:pPr lvl="1"/>
-            <a:r>
-              <a:rPr lang="pt-BR" smtClean="0"/>
-              <a:t>Segundo nível</a:t>
-            </a:r>
-          </a:p>
-          <a:p>
-            <a:pPr lvl="2"/>
-            <a:r>
-              <a:rPr lang="pt-BR" smtClean="0"/>
-              <a:t>Terceiro nível</a:t>
-            </a:r>
-          </a:p>
-          <a:p>
-            <a:pPr lvl="3"/>
-            <a:r>
-              <a:rPr lang="pt-BR" smtClean="0"/>
-              <a:t>Quarto nível</a:t>
-            </a:r>
-          </a:p>
-          <a:p>
-            <a:pPr lvl="4"/>
-            <a:r>
-              <a:rPr lang="pt-BR" smtClean="0"/>
-              <a:t>Quinto nível</a:t>
-            </a:r>
-            <a:endParaRPr lang="pt-BR"/>
-          </a:p>
-        </p:txBody>
-      </p:sp>
-      <p:sp>
-        <p:nvSpPr>
-          <p:cNvPr id="4" name="Espaço Reservado para Data 3"/>
+            <a:pPr lvl="0" eaLnBrk="1" latinLnBrk="0" hangingPunct="1"/>
+            <a:r>
+              <a:rPr lang="en-US" smtClean="0"/>
+              <a:t>Click to edit Master text styles</a:t>
+            </a:r>
+          </a:p>
+          <a:p>
+            <a:pPr lvl="1" eaLnBrk="1" latinLnBrk="0" hangingPunct="1"/>
+            <a:r>
+              <a:rPr lang="en-US" smtClean="0"/>
+              <a:t>Second level</a:t>
+            </a:r>
+          </a:p>
+          <a:p>
+            <a:pPr lvl="2" eaLnBrk="1" latinLnBrk="0" hangingPunct="1"/>
+            <a:r>
+              <a:rPr lang="en-US" smtClean="0"/>
+              <a:t>Third level</a:t>
+            </a:r>
+          </a:p>
+          <a:p>
+            <a:pPr lvl="3" eaLnBrk="1" latinLnBrk="0" hangingPunct="1"/>
+            <a:r>
+              <a:rPr lang="en-US" smtClean="0"/>
+              <a:t>Fourth level</a:t>
+            </a:r>
+          </a:p>
+          <a:p>
+            <a:pPr lvl="4" eaLnBrk="1" latinLnBrk="0" hangingPunct="1"/>
+            <a:r>
+              <a:rPr lang="en-US" smtClean="0"/>
+              <a:t>Fifth level</a:t>
+            </a:r>
+            <a:endParaRPr kumimoji="0" lang="en-US"/>
+          </a:p>
+        </p:txBody>
+      </p:sp>
+      <p:sp>
+        <p:nvSpPr>
+          <p:cNvPr id="4" name="Date Placeholder 3"/>
           <p:cNvSpPr>
             <a:spLocks noGrp="1"/>
           </p:cNvSpPr>
@@ -822,7 +800,7 @@
             <a:fld id="{73948A2C-A351-44A5-9543-EA3B6BD94DE1}" type="datetimeFigureOut">
               <a:rPr lang="pt-BR" smtClean="0"/>
               <a:pPr/>
-              <a:t>16/05/2013</a:t>
+              <a:t>13/6/2013</a:t>
             </a:fld>
             <a:endParaRPr lang="pt-BR"/>
           </a:p>
@@ -830,7 +808,7 @@
       </p:sp>
       <p:sp>
         <p:nvSpPr>
-          <p:cNvPr id="5" name="Espaço Reservado para Rodapé 4"/>
+          <p:cNvPr id="5" name="Footer Placeholder 4"/>
           <p:cNvSpPr>
             <a:spLocks noGrp="1"/>
           </p:cNvSpPr>
@@ -849,7 +827,7 @@
       </p:sp>
       <p:sp>
         <p:nvSpPr>
-          <p:cNvPr id="6" name="Espaço Reservado para Número de Slide 5"/>
+          <p:cNvPr id="6" name="Slide Number Placeholder 5"/>
           <p:cNvSpPr>
             <a:spLocks noGrp="1"/>
           </p:cNvSpPr>
@@ -865,18 +843,13 @@
             <a:fld id="{193FF5D9-4674-4F21-ABEA-BCF3C230FAB2}" type="slidenum">
               <a:rPr lang="pt-BR" smtClean="0"/>
               <a:pPr/>
-              <a:t>‹nº›</a:t>
+              <a:t>‹#›</a:t>
             </a:fld>
             <a:endParaRPr lang="pt-BR"/>
           </a:p>
         </p:txBody>
       </p:sp>
     </p:spTree>
-    <p:extLst>
-      <p:ext uri="{BB962C8B-B14F-4D97-AF65-F5344CB8AC3E}">
-        <p14:creationId xmlns:p14="http://schemas.microsoft.com/office/powerpoint/2010/main" xmlns="" val="1246639051"/>
-      </p:ext>
-    </p:extLst>
   </p:cSld>
   <p:clrMapOvr>
     <a:masterClrMapping/>
@@ -886,7 +859,12 @@
 
 <file path=ppt/slideLayouts/slideLayout3.xml><?xml version="1.0" encoding="utf-8"?>
 <p:sldLayout xmlns:a="http://schemas.openxmlformats.org/drawingml/2006/main" xmlns:r="http://schemas.openxmlformats.org/officeDocument/2006/relationships" xmlns:p="http://schemas.openxmlformats.org/presentationml/2006/main" type="secHead" preserve="1">
-  <p:cSld name="Cabeçalho da Seção">
+  <p:cSld name="Section Header">
+    <p:bg>
+      <p:bgRef idx="1003">
+        <a:schemeClr val="bg2"/>
+      </p:bgRef>
+    </p:bg>
     <p:spTree>
       <p:nvGrpSpPr>
         <p:cNvPr id="1" name=""/>
@@ -903,7 +881,7 @@
       </p:grpSpPr>
       <p:sp>
         <p:nvSpPr>
-          <p:cNvPr id="2" name="Título 1"/>
+          <p:cNvPr id="2" name="Title 1"/>
           <p:cNvSpPr>
             <a:spLocks noGrp="1"/>
           </p:cNvSpPr>
@@ -913,56 +891,94 @@
         </p:nvSpPr>
         <p:spPr>
           <a:xfrm>
-            <a:off x="722313" y="4406900"/>
-            <a:ext cx="7772400" cy="1362075"/>
+            <a:off x="1600200" y="609600"/>
+            <a:ext cx="7086600" cy="1828800"/>
           </a:xfrm>
         </p:spPr>
         <p:txBody>
+          <a:bodyPr vert="horz" bIns="0" anchor="b">
+            <a:noAutofit/>
+            <a:scene3d>
+              <a:camera prst="orthographicFront"/>
+              <a:lightRig rig="soft" dir="t">
+                <a:rot lat="0" lon="0" rev="17220000"/>
+              </a:lightRig>
+            </a:scene3d>
+            <a:sp3d prstMaterial="softEdge">
+              <a:bevelT w="38100" h="38100"/>
+              <a:contourClr>
+                <a:schemeClr val="tx2">
+                  <a:shade val="50000"/>
+                </a:schemeClr>
+              </a:contourClr>
+            </a:sp3d>
+          </a:bodyPr>
+          <a:lstStyle>
+            <a:lvl1pPr algn="l" rtl="0">
+              <a:spcBef>
+                <a:spcPct val="0"/>
+              </a:spcBef>
+              <a:buNone/>
+              <a:defRPr sz="4800" b="1" cap="none" baseline="0">
+                <a:ln w="6350">
+                  <a:noFill/>
+                </a:ln>
+                <a:solidFill>
+                  <a:schemeClr val="accent1">
+                    <a:tint val="90000"/>
+                    <a:satMod val="120000"/>
+                  </a:schemeClr>
+                </a:solidFill>
+                <a:effectLst>
+                  <a:outerShdw blurRad="114300" dist="101600" dir="2700000" algn="tl" rotWithShape="0">
+                    <a:srgbClr val="000000">
+                      <a:alpha val="40000"/>
+                    </a:srgbClr>
+                  </a:outerShdw>
+                </a:effectLst>
+                <a:latin typeface="+mj-lt"/>
+                <a:ea typeface="+mj-ea"/>
+                <a:cs typeface="+mj-cs"/>
+              </a:defRPr>
+            </a:lvl1pPr>
+          </a:lstStyle>
+          <a:p>
+            <a:r>
+              <a:rPr kumimoji="0" lang="en-US" smtClean="0"/>
+              <a:t>Click to edit Master title style</a:t>
+            </a:r>
+            <a:endParaRPr kumimoji="0" lang="en-US"/>
+          </a:p>
+        </p:txBody>
+      </p:sp>
+      <p:sp>
+        <p:nvSpPr>
+          <p:cNvPr id="3" name="Text Placeholder 2"/>
+          <p:cNvSpPr>
+            <a:spLocks noGrp="1"/>
+          </p:cNvSpPr>
+          <p:nvPr>
+            <p:ph type="body" idx="1"/>
+          </p:nvPr>
+        </p:nvSpPr>
+        <p:spPr>
+          <a:xfrm>
+            <a:off x="1600200" y="2507786"/>
+            <a:ext cx="7086600" cy="1509712"/>
+          </a:xfrm>
+        </p:spPr>
+        <p:txBody>
           <a:bodyPr anchor="t"/>
           <a:lstStyle>
-            <a:lvl1pPr algn="l">
-              <a:defRPr sz="4000" b="1" cap="all"/>
-            </a:lvl1pPr>
-          </a:lstStyle>
-          <a:p>
-            <a:r>
-              <a:rPr lang="pt-BR" smtClean="0"/>
-              <a:t>Clique para editar o título mestre</a:t>
-            </a:r>
-            <a:endParaRPr lang="pt-BR"/>
-          </a:p>
-        </p:txBody>
-      </p:sp>
-      <p:sp>
-        <p:nvSpPr>
-          <p:cNvPr id="3" name="Espaço Reservado para Texto 2"/>
-          <p:cNvSpPr>
-            <a:spLocks noGrp="1"/>
-          </p:cNvSpPr>
-          <p:nvPr>
-            <p:ph type="body" idx="1"/>
-          </p:nvPr>
-        </p:nvSpPr>
-        <p:spPr>
-          <a:xfrm>
-            <a:off x="722313" y="2906713"/>
-            <a:ext cx="7772400" cy="1500187"/>
-          </a:xfrm>
-        </p:spPr>
-        <p:txBody>
-          <a:bodyPr anchor="b"/>
-          <a:lstStyle>
-            <a:lvl1pPr marL="0" indent="0">
+            <a:lvl1pPr marL="73152" indent="0" algn="l">
               <a:buNone/>
               <a:defRPr sz="2000">
                 <a:solidFill>
-                  <a:schemeClr val="tx1">
-                    <a:tint val="75000"/>
-                  </a:schemeClr>
+                  <a:schemeClr val="tx1"/>
                 </a:solidFill>
               </a:defRPr>
             </a:lvl1pPr>
-            <a:lvl2pPr marL="457200" indent="0">
+            <a:lvl2pPr>
               <a:buNone/>
               <a:defRPr sz="1800">
                 <a:solidFill>
@@ -972,7 +988,7 @@
                 </a:solidFill>
               </a:defRPr>
             </a:lvl2pPr>
-            <a:lvl3pPr marL="914400" indent="0">
+            <a:lvl3pPr>
               <a:buNone/>
               <a:defRPr sz="1600">
                 <a:solidFill>
@@ -982,7 +998,7 @@
                 </a:solidFill>
               </a:defRPr>
             </a:lvl3pPr>
-            <a:lvl4pPr marL="1371600" indent="0">
+            <a:lvl4pPr>
               <a:buNone/>
               <a:defRPr sz="1400">
                 <a:solidFill>
@@ -992,7 +1008,7 @@
                 </a:solidFill>
               </a:defRPr>
             </a:lvl4pPr>
-            <a:lvl5pPr marL="1828800" indent="0">
+            <a:lvl5pPr>
               <a:buNone/>
               <a:defRPr sz="1400">
                 <a:solidFill>
@@ -1002,59 +1018,19 @@
                 </a:solidFill>
               </a:defRPr>
             </a:lvl5pPr>
-            <a:lvl6pPr marL="2286000" indent="0">
-              <a:buNone/>
-              <a:defRPr sz="1400">
-                <a:solidFill>
-                  <a:schemeClr val="tx1">
-                    <a:tint val="75000"/>
-                  </a:schemeClr>
-                </a:solidFill>
-              </a:defRPr>
-            </a:lvl6pPr>
-            <a:lvl7pPr marL="2743200" indent="0">
-              <a:buNone/>
-              <a:defRPr sz="1400">
-                <a:solidFill>
-                  <a:schemeClr val="tx1">
-                    <a:tint val="75000"/>
-                  </a:schemeClr>
-                </a:solidFill>
-              </a:defRPr>
-            </a:lvl7pPr>
-            <a:lvl8pPr marL="3200400" indent="0">
-              <a:buNone/>
-              <a:defRPr sz="1400">
-                <a:solidFill>
-                  <a:schemeClr val="tx1">
-                    <a:tint val="75000"/>
-                  </a:schemeClr>
-                </a:solidFill>
-              </a:defRPr>
-            </a:lvl8pPr>
-            <a:lvl9pPr marL="3657600" indent="0">
-              <a:buNone/>
-              <a:defRPr sz="1400">
-                <a:solidFill>
-                  <a:schemeClr val="tx1">
-                    <a:tint val="75000"/>
-                  </a:schemeClr>
-                </a:solidFill>
-              </a:defRPr>
-            </a:lvl9pPr>
           </a:lstStyle>
           <a:p>
-            <a:pPr lvl="0"/>
-            <a:r>
-              <a:rPr lang="pt-BR" smtClean="0"/>
-              <a:t>Clique para editar o texto mestre</a:t>
-            </a:r>
-          </a:p>
-        </p:txBody>
-      </p:sp>
-      <p:sp>
-        <p:nvSpPr>
-          <p:cNvPr id="4" name="Espaço Reservado para Data 3"/>
+            <a:pPr lvl="0" eaLnBrk="1" latinLnBrk="0" hangingPunct="1"/>
+            <a:r>
+              <a:rPr kumimoji="0" lang="en-US" smtClean="0"/>
+              <a:t>Click to edit Master text styles</a:t>
+            </a:r>
+          </a:p>
+        </p:txBody>
+      </p:sp>
+      <p:sp>
+        <p:nvSpPr>
+          <p:cNvPr id="4" name="Date Placeholder 3"/>
           <p:cNvSpPr>
             <a:spLocks noGrp="1"/>
           </p:cNvSpPr>
@@ -1070,7 +1046,7 @@
             <a:fld id="{73948A2C-A351-44A5-9543-EA3B6BD94DE1}" type="datetimeFigureOut">
               <a:rPr lang="pt-BR" smtClean="0"/>
               <a:pPr/>
-              <a:t>16/05/2013</a:t>
+              <a:t>13/6/2013</a:t>
             </a:fld>
             <a:endParaRPr lang="pt-BR"/>
           </a:p>
@@ -1078,7 +1054,7 @@
       </p:sp>
       <p:sp>
         <p:nvSpPr>
-          <p:cNvPr id="5" name="Espaço Reservado para Rodapé 4"/>
+          <p:cNvPr id="5" name="Footer Placeholder 4"/>
           <p:cNvSpPr>
             <a:spLocks noGrp="1"/>
           </p:cNvSpPr>
@@ -1097,7 +1073,7 @@
       </p:sp>
       <p:sp>
         <p:nvSpPr>
-          <p:cNvPr id="6" name="Espaço Reservado para Número de Slide 5"/>
+          <p:cNvPr id="6" name="Slide Number Placeholder 5"/>
           <p:cNvSpPr>
             <a:spLocks noGrp="1"/>
           </p:cNvSpPr>
@@ -1105,7 +1081,12 @@
             <p:ph type="sldNum" sz="quarter" idx="12"/>
           </p:nvPr>
         </p:nvSpPr>
-        <p:spPr/>
+        <p:spPr>
+          <a:xfrm>
+            <a:off x="7924800" y="6416675"/>
+            <a:ext cx="762000" cy="365125"/>
+          </a:xfrm>
+        </p:spPr>
         <p:txBody>
           <a:bodyPr/>
           <a:lstStyle/>
@@ -1113,28 +1094,23 @@
             <a:fld id="{193FF5D9-4674-4F21-ABEA-BCF3C230FAB2}" type="slidenum">
               <a:rPr lang="pt-BR" smtClean="0"/>
               <a:pPr/>
-              <a:t>‹nº›</a:t>
+              <a:t>‹#›</a:t>
             </a:fld>
             <a:endParaRPr lang="pt-BR"/>
           </a:p>
         </p:txBody>
       </p:sp>
     </p:spTree>
-    <p:extLst>
-      <p:ext uri="{BB962C8B-B14F-4D97-AF65-F5344CB8AC3E}">
-        <p14:creationId xmlns:p14="http://schemas.microsoft.com/office/powerpoint/2010/main" xmlns="" val="3747244603"/>
-      </p:ext>
-    </p:extLst>
   </p:cSld>
   <p:clrMapOvr>
-    <a:masterClrMapping/>
+    <a:overrideClrMapping bg1="dk1" tx1="lt1" bg2="dk2" tx2="lt2" accent1="accent1" accent2="accent2" accent3="accent3" accent4="accent4" accent5="accent5" accent6="accent6" hlink="hlink" folHlink="folHlink"/>
   </p:clrMapOvr>
 </p:sldLayout>
 </file>
 
 <file path=ppt/slideLayouts/slideLayout4.xml><?xml version="1.0" encoding="utf-8"?>
 <p:sldLayout xmlns:a="http://schemas.openxmlformats.org/drawingml/2006/main" xmlns:r="http://schemas.openxmlformats.org/officeDocument/2006/relationships" xmlns:p="http://schemas.openxmlformats.org/presentationml/2006/main" type="twoObj" preserve="1">
-  <p:cSld name="Duas Partes de Conteúdo">
+  <p:cSld name="Two Content">
     <p:spTree>
       <p:nvGrpSpPr>
         <p:cNvPr id="1" name=""/>
@@ -1151,7 +1127,7 @@
       </p:grpSpPr>
       <p:sp>
         <p:nvSpPr>
-          <p:cNvPr id="2" name="Título 1"/>
+          <p:cNvPr id="2" name="Title 1"/>
           <p:cNvSpPr>
             <a:spLocks noGrp="1"/>
           </p:cNvSpPr>
@@ -1165,16 +1141,16 @@
           <a:lstStyle/>
           <a:p>
             <a:r>
-              <a:rPr lang="pt-BR" smtClean="0"/>
-              <a:t>Clique para editar o título mestre</a:t>
-            </a:r>
-            <a:endParaRPr lang="pt-BR"/>
-          </a:p>
-        </p:txBody>
-      </p:sp>
-      <p:sp>
-        <p:nvSpPr>
-          <p:cNvPr id="3" name="Espaço Reservado para Conteúdo 2"/>
+              <a:rPr kumimoji="0" lang="en-US" smtClean="0"/>
+              <a:t>Click to edit Master title style</a:t>
+            </a:r>
+            <a:endParaRPr kumimoji="0" lang="en-US"/>
+          </a:p>
+        </p:txBody>
+      </p:sp>
+      <p:sp>
+        <p:nvSpPr>
+          <p:cNvPr id="3" name="Content Placeholder 2"/>
           <p:cNvSpPr>
             <a:spLocks noGrp="1"/>
           </p:cNvSpPr>
@@ -1192,7 +1168,7 @@
           <a:bodyPr/>
           <a:lstStyle>
             <a:lvl1pPr>
-              <a:defRPr sz="2800"/>
+              <a:defRPr sz="2600"/>
             </a:lvl1pPr>
             <a:lvl2pPr>
               <a:defRPr sz="2400"/>
@@ -1206,60 +1182,48 @@
             <a:lvl5pPr>
               <a:defRPr sz="1800"/>
             </a:lvl5pPr>
-            <a:lvl6pPr>
-              <a:defRPr sz="1800"/>
-            </a:lvl6pPr>
-            <a:lvl7pPr>
-              <a:defRPr sz="1800"/>
-            </a:lvl7pPr>
-            <a:lvl8pPr>
-              <a:defRPr sz="1800"/>
-            </a:lvl8pPr>
-            <a:lvl9pPr>
-              <a:defRPr sz="1800"/>
-            </a:lvl9pPr>
           </a:lstStyle>
           <a:p>
-            <a:pPr lvl="0"/>
-            <a:r>
-              <a:rPr lang="pt-BR" smtClean="0"/>
-              <a:t>Clique para editar o texto mestre</a:t>
-            </a:r>
-          </a:p>
-          <a:p>
-            <a:pPr lvl="1"/>
-            <a:r>
-              <a:rPr lang="pt-BR" smtClean="0"/>
-              <a:t>Segundo nível</a:t>
-            </a:r>
-          </a:p>
-          <a:p>
-            <a:pPr lvl="2"/>
-            <a:r>
-              <a:rPr lang="pt-BR" smtClean="0"/>
-              <a:t>Terceiro nível</a:t>
-            </a:r>
-          </a:p>
-          <a:p>
-            <a:pPr lvl="3"/>
-            <a:r>
-              <a:rPr lang="pt-BR" smtClean="0"/>
-              <a:t>Quarto nível</a:t>
-            </a:r>
-          </a:p>
-          <a:p>
-            <a:pPr lvl="4"/>
-            <a:r>
-              <a:rPr lang="pt-BR" smtClean="0"/>
-              <a:t>Quinto nível</a:t>
-            </a:r>
-            <a:endParaRPr lang="pt-BR"/>
-          </a:p>
-        </p:txBody>
-      </p:sp>
-      <p:sp>
-        <p:nvSpPr>
-          <p:cNvPr id="4" name="Espaço Reservado para Conteúdo 3"/>
+            <a:pPr lvl="0" eaLnBrk="1" latinLnBrk="0" hangingPunct="1"/>
+            <a:r>
+              <a:rPr lang="en-US" smtClean="0"/>
+              <a:t>Click to edit Master text styles</a:t>
+            </a:r>
+          </a:p>
+          <a:p>
+            <a:pPr lvl="1" eaLnBrk="1" latinLnBrk="0" hangingPunct="1"/>
+            <a:r>
+              <a:rPr lang="en-US" smtClean="0"/>
+              <a:t>Second level</a:t>
+            </a:r>
+          </a:p>
+          <a:p>
+            <a:pPr lvl="2" eaLnBrk="1" latinLnBrk="0" hangingPunct="1"/>
+            <a:r>
+              <a:rPr lang="en-US" smtClean="0"/>
+              <a:t>Third level</a:t>
+            </a:r>
+          </a:p>
+          <a:p>
+            <a:pPr lvl="3" eaLnBrk="1" latinLnBrk="0" hangingPunct="1"/>
+            <a:r>
+              <a:rPr lang="en-US" smtClean="0"/>
+              <a:t>Fourth level</a:t>
+            </a:r>
+          </a:p>
+          <a:p>
+            <a:pPr lvl="4" eaLnBrk="1" latinLnBrk="0" hangingPunct="1"/>
+            <a:r>
+              <a:rPr lang="en-US" smtClean="0"/>
+              <a:t>Fifth level</a:t>
+            </a:r>
+            <a:endParaRPr kumimoji="0" lang="en-US"/>
+          </a:p>
+        </p:txBody>
+      </p:sp>
+      <p:sp>
+        <p:nvSpPr>
+          <p:cNvPr id="4" name="Content Placeholder 3"/>
           <p:cNvSpPr>
             <a:spLocks noGrp="1"/>
           </p:cNvSpPr>
@@ -1277,7 +1241,7 @@
           <a:bodyPr/>
           <a:lstStyle>
             <a:lvl1pPr>
-              <a:defRPr sz="2800"/>
+              <a:defRPr sz="2600"/>
             </a:lvl1pPr>
             <a:lvl2pPr>
               <a:defRPr sz="2400"/>
@@ -1291,60 +1255,48 @@
             <a:lvl5pPr>
               <a:defRPr sz="1800"/>
             </a:lvl5pPr>
-            <a:lvl6pPr>
-              <a:defRPr sz="1800"/>
-            </a:lvl6pPr>
-            <a:lvl7pPr>
-              <a:defRPr sz="1800"/>
-            </a:lvl7pPr>
-            <a:lvl8pPr>
-              <a:defRPr sz="1800"/>
-            </a:lvl8pPr>
-            <a:lvl9pPr>
-              <a:defRPr sz="1800"/>
-            </a:lvl9pPr>
           </a:lstStyle>
           <a:p>
-            <a:pPr lvl="0"/>
-            <a:r>
-              <a:rPr lang="pt-BR" smtClean="0"/>
-              <a:t>Clique para editar o texto mestre</a:t>
-            </a:r>
-          </a:p>
-          <a:p>
-            <a:pPr lvl="1"/>
-            <a:r>
-              <a:rPr lang="pt-BR" smtClean="0"/>
-              <a:t>Segundo nível</a:t>
-            </a:r>
-          </a:p>
-          <a:p>
-            <a:pPr lvl="2"/>
-            <a:r>
-              <a:rPr lang="pt-BR" smtClean="0"/>
-              <a:t>Terceiro nível</a:t>
-            </a:r>
-          </a:p>
-          <a:p>
-            <a:pPr lvl="3"/>
-            <a:r>
-              <a:rPr lang="pt-BR" smtClean="0"/>
-              <a:t>Quarto nível</a:t>
-            </a:r>
-          </a:p>
-          <a:p>
-            <a:pPr lvl="4"/>
-            <a:r>
-              <a:rPr lang="pt-BR" smtClean="0"/>
-              <a:t>Quinto nível</a:t>
-            </a:r>
-            <a:endParaRPr lang="pt-BR"/>
-          </a:p>
-        </p:txBody>
-      </p:sp>
-      <p:sp>
-        <p:nvSpPr>
-          <p:cNvPr id="5" name="Espaço Reservado para Data 4"/>
+            <a:pPr lvl="0" eaLnBrk="1" latinLnBrk="0" hangingPunct="1"/>
+            <a:r>
+              <a:rPr lang="en-US" smtClean="0"/>
+              <a:t>Click to edit Master text styles</a:t>
+            </a:r>
+          </a:p>
+          <a:p>
+            <a:pPr lvl="1" eaLnBrk="1" latinLnBrk="0" hangingPunct="1"/>
+            <a:r>
+              <a:rPr lang="en-US" smtClean="0"/>
+              <a:t>Second level</a:t>
+            </a:r>
+          </a:p>
+          <a:p>
+            <a:pPr lvl="2" eaLnBrk="1" latinLnBrk="0" hangingPunct="1"/>
+            <a:r>
+              <a:rPr lang="en-US" smtClean="0"/>
+              <a:t>Third level</a:t>
+            </a:r>
+          </a:p>
+          <a:p>
+            <a:pPr lvl="3" eaLnBrk="1" latinLnBrk="0" hangingPunct="1"/>
+            <a:r>
+              <a:rPr lang="en-US" smtClean="0"/>
+              <a:t>Fourth level</a:t>
+            </a:r>
+          </a:p>
+          <a:p>
+            <a:pPr lvl="4" eaLnBrk="1" latinLnBrk="0" hangingPunct="1"/>
+            <a:r>
+              <a:rPr lang="en-US" smtClean="0"/>
+              <a:t>Fifth level</a:t>
+            </a:r>
+            <a:endParaRPr kumimoji="0" lang="en-US"/>
+          </a:p>
+        </p:txBody>
+      </p:sp>
+      <p:sp>
+        <p:nvSpPr>
+          <p:cNvPr id="5" name="Date Placeholder 4"/>
           <p:cNvSpPr>
             <a:spLocks noGrp="1"/>
           </p:cNvSpPr>
@@ -1360,7 +1312,7 @@
             <a:fld id="{73948A2C-A351-44A5-9543-EA3B6BD94DE1}" type="datetimeFigureOut">
               <a:rPr lang="pt-BR" smtClean="0"/>
               <a:pPr/>
-              <a:t>16/05/2013</a:t>
+              <a:t>13/6/2013</a:t>
             </a:fld>
             <a:endParaRPr lang="pt-BR"/>
           </a:p>
@@ -1368,7 +1320,7 @@
       </p:sp>
       <p:sp>
         <p:nvSpPr>
-          <p:cNvPr id="6" name="Espaço Reservado para Rodapé 5"/>
+          <p:cNvPr id="6" name="Footer Placeholder 5"/>
           <p:cNvSpPr>
             <a:spLocks noGrp="1"/>
           </p:cNvSpPr>
@@ -1387,7 +1339,7 @@
       </p:sp>
       <p:sp>
         <p:nvSpPr>
-          <p:cNvPr id="7" name="Espaço Reservado para Número de Slide 6"/>
+          <p:cNvPr id="7" name="Slide Number Placeholder 6"/>
           <p:cNvSpPr>
             <a:spLocks noGrp="1"/>
           </p:cNvSpPr>
@@ -1403,18 +1355,13 @@
             <a:fld id="{193FF5D9-4674-4F21-ABEA-BCF3C230FAB2}" type="slidenum">
               <a:rPr lang="pt-BR" smtClean="0"/>
               <a:pPr/>
-              <a:t>‹nº›</a:t>
+              <a:t>‹#›</a:t>
             </a:fld>
             <a:endParaRPr lang="pt-BR"/>
           </a:p>
         </p:txBody>
       </p:sp>
     </p:spTree>
-    <p:extLst>
-      <p:ext uri="{BB962C8B-B14F-4D97-AF65-F5344CB8AC3E}">
-        <p14:creationId xmlns:p14="http://schemas.microsoft.com/office/powerpoint/2010/main" xmlns="" val="2641072459"/>
-      </p:ext>
-    </p:extLst>
   </p:cSld>
   <p:clrMapOvr>
     <a:masterClrMapping/>
@@ -1424,7 +1371,7 @@
 
 <file path=ppt/slideLayouts/slideLayout5.xml><?xml version="1.0" encoding="utf-8"?>
 <p:sldLayout xmlns:a="http://schemas.openxmlformats.org/drawingml/2006/main" xmlns:r="http://schemas.openxmlformats.org/officeDocument/2006/relationships" xmlns:p="http://schemas.openxmlformats.org/presentationml/2006/main" type="twoTxTwoObj" preserve="1">
-  <p:cSld name="Comparação">
+  <p:cSld name="Comparison">
     <p:spTree>
       <p:nvGrpSpPr>
         <p:cNvPr id="1" name=""/>
@@ -1441,7 +1388,7 @@
       </p:grpSpPr>
       <p:sp>
         <p:nvSpPr>
-          <p:cNvPr id="2" name="Título 1"/>
+          <p:cNvPr id="2" name="Title 1"/>
           <p:cNvSpPr>
             <a:spLocks noGrp="1"/>
           </p:cNvSpPr>
@@ -1449,9 +1396,14 @@
             <p:ph type="title"/>
           </p:nvPr>
         </p:nvSpPr>
-        <p:spPr/>
-        <p:txBody>
-          <a:bodyPr/>
+        <p:spPr>
+          <a:xfrm>
+            <a:off x="457200" y="273050"/>
+            <a:ext cx="8229600" cy="1143000"/>
+          </a:xfrm>
+        </p:spPr>
+        <p:txBody>
+          <a:bodyPr anchor="ctr"/>
           <a:lstStyle>
             <a:lvl1pPr>
               <a:defRPr/>
@@ -1459,16 +1411,16 @@
           </a:lstStyle>
           <a:p>
             <a:r>
-              <a:rPr lang="pt-BR" smtClean="0"/>
-              <a:t>Clique para editar o título mestre</a:t>
-            </a:r>
-            <a:endParaRPr lang="pt-BR"/>
-          </a:p>
-        </p:txBody>
-      </p:sp>
-      <p:sp>
-        <p:nvSpPr>
-          <p:cNvPr id="3" name="Espaço Reservado para Texto 2"/>
+              <a:rPr kumimoji="0" lang="en-US" smtClean="0"/>
+              <a:t>Click to edit Master title style</a:t>
+            </a:r>
+            <a:endParaRPr kumimoji="0" lang="en-US"/>
+          </a:p>
+        </p:txBody>
+      </p:sp>
+      <p:sp>
+        <p:nvSpPr>
+          <p:cNvPr id="3" name="Text Placeholder 2"/>
           <p:cNvSpPr>
             <a:spLocks noGrp="1"/>
           </p:cNvSpPr>
@@ -1478,73 +1430,114 @@
         </p:nvSpPr>
         <p:spPr>
           <a:xfrm>
-            <a:off x="457200" y="1535113"/>
-            <a:ext cx="4040188" cy="639762"/>
+            <a:off x="457200" y="1535112"/>
+            <a:ext cx="4040188" cy="750887"/>
           </a:xfrm>
         </p:spPr>
         <p:txBody>
-          <a:bodyPr anchor="b"/>
+          <a:bodyPr anchor="ctr"/>
           <a:lstStyle>
             <a:lvl1pPr marL="0" indent="0">
               <a:buNone/>
-              <a:defRPr sz="2400" b="1"/>
+              <a:defRPr sz="2400" b="0" cap="all" baseline="0">
+                <a:solidFill>
+                  <a:schemeClr val="tx1"/>
+                </a:solidFill>
+              </a:defRPr>
             </a:lvl1pPr>
-            <a:lvl2pPr marL="457200" indent="0">
+            <a:lvl2pPr>
               <a:buNone/>
               <a:defRPr sz="2000" b="1"/>
             </a:lvl2pPr>
-            <a:lvl3pPr marL="914400" indent="0">
+            <a:lvl3pPr>
               <a:buNone/>
               <a:defRPr sz="1800" b="1"/>
             </a:lvl3pPr>
-            <a:lvl4pPr marL="1371600" indent="0">
+            <a:lvl4pPr>
               <a:buNone/>
               <a:defRPr sz="1600" b="1"/>
             </a:lvl4pPr>
-            <a:lvl5pPr marL="1828800" indent="0">
+            <a:lvl5pPr>
               <a:buNone/>
               <a:defRPr sz="1600" b="1"/>
             </a:lvl5pPr>
-            <a:lvl6pPr marL="2286000" indent="0">
+          </a:lstStyle>
+          <a:p>
+            <a:pPr lvl="0" eaLnBrk="1" latinLnBrk="0" hangingPunct="1"/>
+            <a:r>
+              <a:rPr kumimoji="0" lang="en-US" smtClean="0"/>
+              <a:t>Click to edit Master text styles</a:t>
+            </a:r>
+          </a:p>
+        </p:txBody>
+      </p:sp>
+      <p:sp>
+        <p:nvSpPr>
+          <p:cNvPr id="4" name="Text Placeholder 3"/>
+          <p:cNvSpPr>
+            <a:spLocks noGrp="1"/>
+          </p:cNvSpPr>
+          <p:nvPr>
+            <p:ph type="body" sz="half" idx="3"/>
+          </p:nvPr>
+        </p:nvSpPr>
+        <p:spPr>
+          <a:xfrm>
+            <a:off x="4645025" y="1535112"/>
+            <a:ext cx="4041775" cy="750887"/>
+          </a:xfrm>
+        </p:spPr>
+        <p:txBody>
+          <a:bodyPr anchor="ctr"/>
+          <a:lstStyle>
+            <a:lvl1pPr marL="0" indent="0">
+              <a:buNone/>
+              <a:defRPr sz="2400" b="0" cap="all" baseline="0">
+                <a:solidFill>
+                  <a:schemeClr val="tx1"/>
+                </a:solidFill>
+              </a:defRPr>
+            </a:lvl1pPr>
+            <a:lvl2pPr>
+              <a:buNone/>
+              <a:defRPr sz="2000" b="1"/>
+            </a:lvl2pPr>
+            <a:lvl3pPr>
+              <a:buNone/>
+              <a:defRPr sz="1800" b="1"/>
+            </a:lvl3pPr>
+            <a:lvl4pPr>
               <a:buNone/>
               <a:defRPr sz="1600" b="1"/>
-            </a:lvl6pPr>
-            <a:lvl7pPr marL="2743200" indent="0">
+            </a:lvl4pPr>
+            <a:lvl5pPr>
               <a:buNone/>
               <a:defRPr sz="1600" b="1"/>
-            </a:lvl7pPr>
-            <a:lvl8pPr marL="3200400" indent="0">
-              <a:buNone/>
-              <a:defRPr sz="1600" b="1"/>
-            </a:lvl8pPr>
-            <a:lvl9pPr marL="3657600" indent="0">
-              <a:buNone/>
-              <a:defRPr sz="1600" b="1"/>
-            </a:lvl9pPr>
+            </a:lvl5pPr>
           </a:lstStyle>
           <a:p>
-            <a:pPr lvl="0"/>
-            <a:r>
-              <a:rPr lang="pt-BR" smtClean="0"/>
-              <a:t>Clique para editar o texto mestre</a:t>
-            </a:r>
-          </a:p>
-        </p:txBody>
-      </p:sp>
-      <p:sp>
-        <p:nvSpPr>
-          <p:cNvPr id="4" name="Espaço Reservado para Conteúdo 3"/>
-          <p:cNvSpPr>
-            <a:spLocks noGrp="1"/>
-          </p:cNvSpPr>
-          <p:nvPr>
-            <p:ph sz="half" idx="2"/>
+            <a:pPr lvl="0" eaLnBrk="1" latinLnBrk="0" hangingPunct="1"/>
+            <a:r>
+              <a:rPr kumimoji="0" lang="en-US" smtClean="0"/>
+              <a:t>Click to edit Master text styles</a:t>
+            </a:r>
+          </a:p>
+        </p:txBody>
+      </p:sp>
+      <p:sp>
+        <p:nvSpPr>
+          <p:cNvPr id="5" name="Content Placeholder 4"/>
+          <p:cNvSpPr>
+            <a:spLocks noGrp="1"/>
+          </p:cNvSpPr>
+          <p:nvPr>
+            <p:ph sz="quarter" idx="2"/>
           </p:nvPr>
         </p:nvSpPr>
         <p:spPr>
           <a:xfrm>
-            <a:off x="457200" y="2174875"/>
-            <a:ext cx="4040188" cy="3951288"/>
+            <a:off x="457200" y="2362200"/>
+            <a:ext cx="4040188" cy="3763963"/>
           </a:xfrm>
         </p:spPr>
         <p:txBody>
@@ -1565,136 +1558,59 @@
             <a:lvl5pPr>
               <a:defRPr sz="1600"/>
             </a:lvl5pPr>
-            <a:lvl6pPr>
-              <a:defRPr sz="1600"/>
-            </a:lvl6pPr>
-            <a:lvl7pPr>
-              <a:defRPr sz="1600"/>
-            </a:lvl7pPr>
-            <a:lvl8pPr>
-              <a:defRPr sz="1600"/>
-            </a:lvl8pPr>
-            <a:lvl9pPr>
-              <a:defRPr sz="1600"/>
-            </a:lvl9pPr>
           </a:lstStyle>
           <a:p>
-            <a:pPr lvl="0"/>
-            <a:r>
-              <a:rPr lang="pt-BR" smtClean="0"/>
-              <a:t>Clique para editar o texto mestre</a:t>
-            </a:r>
-          </a:p>
-          <a:p>
-            <a:pPr lvl="1"/>
-            <a:r>
-              <a:rPr lang="pt-BR" smtClean="0"/>
-              <a:t>Segundo nível</a:t>
-            </a:r>
-          </a:p>
-          <a:p>
-            <a:pPr lvl="2"/>
-            <a:r>
-              <a:rPr lang="pt-BR" smtClean="0"/>
-              <a:t>Terceiro nível</a:t>
-            </a:r>
-          </a:p>
-          <a:p>
-            <a:pPr lvl="3"/>
-            <a:r>
-              <a:rPr lang="pt-BR" smtClean="0"/>
-              <a:t>Quarto nível</a:t>
-            </a:r>
-          </a:p>
-          <a:p>
-            <a:pPr lvl="4"/>
-            <a:r>
-              <a:rPr lang="pt-BR" smtClean="0"/>
-              <a:t>Quinto nível</a:t>
-            </a:r>
-            <a:endParaRPr lang="pt-BR"/>
-          </a:p>
-        </p:txBody>
-      </p:sp>
-      <p:sp>
-        <p:nvSpPr>
-          <p:cNvPr id="5" name="Espaço Reservado para Texto 4"/>
-          <p:cNvSpPr>
-            <a:spLocks noGrp="1"/>
-          </p:cNvSpPr>
-          <p:nvPr>
-            <p:ph type="body" sz="quarter" idx="3"/>
+            <a:pPr lvl="0" eaLnBrk="1" latinLnBrk="0" hangingPunct="1"/>
+            <a:r>
+              <a:rPr lang="en-US" smtClean="0"/>
+              <a:t>Click to edit Master text styles</a:t>
+            </a:r>
+          </a:p>
+          <a:p>
+            <a:pPr lvl="1" eaLnBrk="1" latinLnBrk="0" hangingPunct="1"/>
+            <a:r>
+              <a:rPr lang="en-US" smtClean="0"/>
+              <a:t>Second level</a:t>
+            </a:r>
+          </a:p>
+          <a:p>
+            <a:pPr lvl="2" eaLnBrk="1" latinLnBrk="0" hangingPunct="1"/>
+            <a:r>
+              <a:rPr lang="en-US" smtClean="0"/>
+              <a:t>Third level</a:t>
+            </a:r>
+          </a:p>
+          <a:p>
+            <a:pPr lvl="3" eaLnBrk="1" latinLnBrk="0" hangingPunct="1"/>
+            <a:r>
+              <a:rPr lang="en-US" smtClean="0"/>
+              <a:t>Fourth level</a:t>
+            </a:r>
+          </a:p>
+          <a:p>
+            <a:pPr lvl="4" eaLnBrk="1" latinLnBrk="0" hangingPunct="1"/>
+            <a:r>
+              <a:rPr lang="en-US" smtClean="0"/>
+              <a:t>Fifth level</a:t>
+            </a:r>
+            <a:endParaRPr kumimoji="0" lang="en-US"/>
+          </a:p>
+        </p:txBody>
+      </p:sp>
+      <p:sp>
+        <p:nvSpPr>
+          <p:cNvPr id="6" name="Content Placeholder 5"/>
+          <p:cNvSpPr>
+            <a:spLocks noGrp="1"/>
+          </p:cNvSpPr>
+          <p:nvPr>
+            <p:ph sz="quarter" idx="4"/>
           </p:nvPr>
         </p:nvSpPr>
         <p:spPr>
           <a:xfrm>
-            <a:off x="4645025" y="1535113"/>
-            <a:ext cx="4041775" cy="639762"/>
-          </a:xfrm>
-        </p:spPr>
-        <p:txBody>
-          <a:bodyPr anchor="b"/>
-          <a:lstStyle>
-            <a:lvl1pPr marL="0" indent="0">
-              <a:buNone/>
-              <a:defRPr sz="2400" b="1"/>
-            </a:lvl1pPr>
-            <a:lvl2pPr marL="457200" indent="0">
-              <a:buNone/>
-              <a:defRPr sz="2000" b="1"/>
-            </a:lvl2pPr>
-            <a:lvl3pPr marL="914400" indent="0">
-              <a:buNone/>
-              <a:defRPr sz="1800" b="1"/>
-            </a:lvl3pPr>
-            <a:lvl4pPr marL="1371600" indent="0">
-              <a:buNone/>
-              <a:defRPr sz="1600" b="1"/>
-            </a:lvl4pPr>
-            <a:lvl5pPr marL="1828800" indent="0">
-              <a:buNone/>
-              <a:defRPr sz="1600" b="1"/>
-            </a:lvl5pPr>
-            <a:lvl6pPr marL="2286000" indent="0">
-              <a:buNone/>
-              <a:defRPr sz="1600" b="1"/>
-            </a:lvl6pPr>
-            <a:lvl7pPr marL="2743200" indent="0">
-              <a:buNone/>
-              <a:defRPr sz="1600" b="1"/>
-            </a:lvl7pPr>
-            <a:lvl8pPr marL="3200400" indent="0">
-              <a:buNone/>
-              <a:defRPr sz="1600" b="1"/>
-            </a:lvl8pPr>
-            <a:lvl9pPr marL="3657600" indent="0">
-              <a:buNone/>
-              <a:defRPr sz="1600" b="1"/>
-            </a:lvl9pPr>
-          </a:lstStyle>
-          <a:p>
-            <a:pPr lvl="0"/>
-            <a:r>
-              <a:rPr lang="pt-BR" smtClean="0"/>
-              <a:t>Clique para editar o texto mestre</a:t>
-            </a:r>
-          </a:p>
-        </p:txBody>
-      </p:sp>
-      <p:sp>
-        <p:nvSpPr>
-          <p:cNvPr id="6" name="Espaço Reservado para Conteúdo 5"/>
-          <p:cNvSpPr>
-            <a:spLocks noGrp="1"/>
-          </p:cNvSpPr>
-          <p:nvPr>
-            <p:ph sz="quarter" idx="4"/>
-          </p:nvPr>
-        </p:nvSpPr>
-        <p:spPr>
-          <a:xfrm>
-            <a:off x="4645025" y="2174875"/>
-            <a:ext cx="4041775" cy="3951288"/>
+            <a:off x="4645025" y="2362200"/>
+            <a:ext cx="4041775" cy="3763963"/>
           </a:xfrm>
         </p:spPr>
         <p:txBody>
@@ -1715,60 +1631,48 @@
             <a:lvl5pPr>
               <a:defRPr sz="1600"/>
             </a:lvl5pPr>
-            <a:lvl6pPr>
-              <a:defRPr sz="1600"/>
-            </a:lvl6pPr>
-            <a:lvl7pPr>
-              <a:defRPr sz="1600"/>
-            </a:lvl7pPr>
-            <a:lvl8pPr>
-              <a:defRPr sz="1600"/>
-            </a:lvl8pPr>
-            <a:lvl9pPr>
-              <a:defRPr sz="1600"/>
-            </a:lvl9pPr>
           </a:lstStyle>
           <a:p>
-            <a:pPr lvl="0"/>
-            <a:r>
-              <a:rPr lang="pt-BR" smtClean="0"/>
-              <a:t>Clique para editar o texto mestre</a:t>
-            </a:r>
-          </a:p>
-          <a:p>
-            <a:pPr lvl="1"/>
-            <a:r>
-              <a:rPr lang="pt-BR" smtClean="0"/>
-              <a:t>Segundo nível</a:t>
-            </a:r>
-          </a:p>
-          <a:p>
-            <a:pPr lvl="2"/>
-            <a:r>
-              <a:rPr lang="pt-BR" smtClean="0"/>
-              <a:t>Terceiro nível</a:t>
-            </a:r>
-          </a:p>
-          <a:p>
-            <a:pPr lvl="3"/>
-            <a:r>
-              <a:rPr lang="pt-BR" smtClean="0"/>
-              <a:t>Quarto nível</a:t>
-            </a:r>
-          </a:p>
-          <a:p>
-            <a:pPr lvl="4"/>
-            <a:r>
-              <a:rPr lang="pt-BR" smtClean="0"/>
-              <a:t>Quinto nível</a:t>
-            </a:r>
-            <a:endParaRPr lang="pt-BR"/>
-          </a:p>
-        </p:txBody>
-      </p:sp>
-      <p:sp>
-        <p:nvSpPr>
-          <p:cNvPr id="7" name="Espaço Reservado para Data 6"/>
+            <a:pPr lvl="0" eaLnBrk="1" latinLnBrk="0" hangingPunct="1"/>
+            <a:r>
+              <a:rPr lang="en-US" smtClean="0"/>
+              <a:t>Click to edit Master text styles</a:t>
+            </a:r>
+          </a:p>
+          <a:p>
+            <a:pPr lvl="1" eaLnBrk="1" latinLnBrk="0" hangingPunct="1"/>
+            <a:r>
+              <a:rPr lang="en-US" smtClean="0"/>
+              <a:t>Second level</a:t>
+            </a:r>
+          </a:p>
+          <a:p>
+            <a:pPr lvl="2" eaLnBrk="1" latinLnBrk="0" hangingPunct="1"/>
+            <a:r>
+              <a:rPr lang="en-US" smtClean="0"/>
+              <a:t>Third level</a:t>
+            </a:r>
+          </a:p>
+          <a:p>
+            <a:pPr lvl="3" eaLnBrk="1" latinLnBrk="0" hangingPunct="1"/>
+            <a:r>
+              <a:rPr lang="en-US" smtClean="0"/>
+              <a:t>Fourth level</a:t>
+            </a:r>
+          </a:p>
+          <a:p>
+            <a:pPr lvl="4" eaLnBrk="1" latinLnBrk="0" hangingPunct="1"/>
+            <a:r>
+              <a:rPr lang="en-US" smtClean="0"/>
+              <a:t>Fifth level</a:t>
+            </a:r>
+            <a:endParaRPr kumimoji="0" lang="en-US"/>
+          </a:p>
+        </p:txBody>
+      </p:sp>
+      <p:sp>
+        <p:nvSpPr>
+          <p:cNvPr id="7" name="Date Placeholder 6"/>
           <p:cNvSpPr>
             <a:spLocks noGrp="1"/>
           </p:cNvSpPr>
@@ -1784,7 +1688,7 @@
             <a:fld id="{73948A2C-A351-44A5-9543-EA3B6BD94DE1}" type="datetimeFigureOut">
               <a:rPr lang="pt-BR" smtClean="0"/>
               <a:pPr/>
-              <a:t>16/05/2013</a:t>
+              <a:t>13/6/2013</a:t>
             </a:fld>
             <a:endParaRPr lang="pt-BR"/>
           </a:p>
@@ -1792,7 +1696,7 @@
       </p:sp>
       <p:sp>
         <p:nvSpPr>
-          <p:cNvPr id="8" name="Espaço Reservado para Rodapé 7"/>
+          <p:cNvPr id="8" name="Footer Placeholder 7"/>
           <p:cNvSpPr>
             <a:spLocks noGrp="1"/>
           </p:cNvSpPr>
@@ -1811,7 +1715,7 @@
       </p:sp>
       <p:sp>
         <p:nvSpPr>
-          <p:cNvPr id="9" name="Espaço Reservado para Número de Slide 8"/>
+          <p:cNvPr id="9" name="Slide Number Placeholder 8"/>
           <p:cNvSpPr>
             <a:spLocks noGrp="1"/>
           </p:cNvSpPr>
@@ -1827,18 +1731,13 @@
             <a:fld id="{193FF5D9-4674-4F21-ABEA-BCF3C230FAB2}" type="slidenum">
               <a:rPr lang="pt-BR" smtClean="0"/>
               <a:pPr/>
-              <a:t>‹nº›</a:t>
+              <a:t>‹#›</a:t>
             </a:fld>
             <a:endParaRPr lang="pt-BR"/>
           </a:p>
         </p:txBody>
       </p:sp>
     </p:spTree>
-    <p:extLst>
-      <p:ext uri="{BB962C8B-B14F-4D97-AF65-F5344CB8AC3E}">
-        <p14:creationId xmlns:p14="http://schemas.microsoft.com/office/powerpoint/2010/main" xmlns="" val="155840239"/>
-      </p:ext>
-    </p:extLst>
   </p:cSld>
   <p:clrMapOvr>
     <a:masterClrMapping/>
@@ -1848,7 +1747,7 @@
 
 <file path=ppt/slideLayouts/slideLayout6.xml><?xml version="1.0" encoding="utf-8"?>
 <p:sldLayout xmlns:a="http://schemas.openxmlformats.org/drawingml/2006/main" xmlns:r="http://schemas.openxmlformats.org/officeDocument/2006/relationships" xmlns:p="http://schemas.openxmlformats.org/presentationml/2006/main" type="titleOnly" preserve="1">
-  <p:cSld name="Somente título">
+  <p:cSld name="Title Only">
     <p:spTree>
       <p:nvGrpSpPr>
         <p:cNvPr id="1" name=""/>
@@ -1865,7 +1764,7 @@
       </p:grpSpPr>
       <p:sp>
         <p:nvSpPr>
-          <p:cNvPr id="2" name="Título 1"/>
+          <p:cNvPr id="2" name="Title 1"/>
           <p:cNvSpPr>
             <a:spLocks noGrp="1"/>
           </p:cNvSpPr>
@@ -1879,16 +1778,16 @@
           <a:lstStyle/>
           <a:p>
             <a:r>
-              <a:rPr lang="pt-BR" smtClean="0"/>
-              <a:t>Clique para editar o título mestre</a:t>
-            </a:r>
-            <a:endParaRPr lang="pt-BR"/>
-          </a:p>
-        </p:txBody>
-      </p:sp>
-      <p:sp>
-        <p:nvSpPr>
-          <p:cNvPr id="3" name="Espaço Reservado para Data 2"/>
+              <a:rPr kumimoji="0" lang="en-US" smtClean="0"/>
+              <a:t>Click to edit Master title style</a:t>
+            </a:r>
+            <a:endParaRPr kumimoji="0" lang="en-US"/>
+          </a:p>
+        </p:txBody>
+      </p:sp>
+      <p:sp>
+        <p:nvSpPr>
+          <p:cNvPr id="3" name="Date Placeholder 2"/>
           <p:cNvSpPr>
             <a:spLocks noGrp="1"/>
           </p:cNvSpPr>
@@ -1904,7 +1803,7 @@
             <a:fld id="{73948A2C-A351-44A5-9543-EA3B6BD94DE1}" type="datetimeFigureOut">
               <a:rPr lang="pt-BR" smtClean="0"/>
               <a:pPr/>
-              <a:t>16/05/2013</a:t>
+              <a:t>13/6/2013</a:t>
             </a:fld>
             <a:endParaRPr lang="pt-BR"/>
           </a:p>
@@ -1912,7 +1811,7 @@
       </p:sp>
       <p:sp>
         <p:nvSpPr>
-          <p:cNvPr id="4" name="Espaço Reservado para Rodapé 3"/>
+          <p:cNvPr id="4" name="Footer Placeholder 3"/>
           <p:cNvSpPr>
             <a:spLocks noGrp="1"/>
           </p:cNvSpPr>
@@ -1931,7 +1830,7 @@
       </p:sp>
       <p:sp>
         <p:nvSpPr>
-          <p:cNvPr id="5" name="Espaço Reservado para Número de Slide 4"/>
+          <p:cNvPr id="5" name="Slide Number Placeholder 4"/>
           <p:cNvSpPr>
             <a:spLocks noGrp="1"/>
           </p:cNvSpPr>
@@ -1947,18 +1846,13 @@
             <a:fld id="{193FF5D9-4674-4F21-ABEA-BCF3C230FAB2}" type="slidenum">
               <a:rPr lang="pt-BR" smtClean="0"/>
               <a:pPr/>
-              <a:t>‹nº›</a:t>
+              <a:t>‹#›</a:t>
             </a:fld>
             <a:endParaRPr lang="pt-BR"/>
           </a:p>
         </p:txBody>
       </p:sp>
     </p:spTree>
-    <p:extLst>
-      <p:ext uri="{BB962C8B-B14F-4D97-AF65-F5344CB8AC3E}">
-        <p14:creationId xmlns:p14="http://schemas.microsoft.com/office/powerpoint/2010/main" xmlns="" val="2081176178"/>
-      </p:ext>
-    </p:extLst>
   </p:cSld>
   <p:clrMapOvr>
     <a:masterClrMapping/>
@@ -1968,7 +1862,7 @@
 
 <file path=ppt/slideLayouts/slideLayout7.xml><?xml version="1.0" encoding="utf-8"?>
 <p:sldLayout xmlns:a="http://schemas.openxmlformats.org/drawingml/2006/main" xmlns:r="http://schemas.openxmlformats.org/officeDocument/2006/relationships" xmlns:p="http://schemas.openxmlformats.org/presentationml/2006/main" type="blank" preserve="1">
-  <p:cSld name="Em branco">
+  <p:cSld name="Blank">
     <p:spTree>
       <p:nvGrpSpPr>
         <p:cNvPr id="1" name=""/>
@@ -1985,7 +1879,7 @@
       </p:grpSpPr>
       <p:sp>
         <p:nvSpPr>
-          <p:cNvPr id="2" name="Espaço Reservado para Data 1"/>
+          <p:cNvPr id="2" name="Date Placeholder 1"/>
           <p:cNvSpPr>
             <a:spLocks noGrp="1"/>
           </p:cNvSpPr>
@@ -2001,7 +1895,7 @@
             <a:fld id="{73948A2C-A351-44A5-9543-EA3B6BD94DE1}" type="datetimeFigureOut">
               <a:rPr lang="pt-BR" smtClean="0"/>
               <a:pPr/>
-              <a:t>16/05/2013</a:t>
+              <a:t>13/6/2013</a:t>
             </a:fld>
             <a:endParaRPr lang="pt-BR"/>
           </a:p>
@@ -2009,7 +1903,7 @@
       </p:sp>
       <p:sp>
         <p:nvSpPr>
-          <p:cNvPr id="3" name="Espaço Reservado para Rodapé 2"/>
+          <p:cNvPr id="3" name="Footer Placeholder 2"/>
           <p:cNvSpPr>
             <a:spLocks noGrp="1"/>
           </p:cNvSpPr>
@@ -2028,7 +1922,7 @@
       </p:sp>
       <p:sp>
         <p:nvSpPr>
-          <p:cNvPr id="4" name="Espaço Reservado para Número de Slide 3"/>
+          <p:cNvPr id="4" name="Slide Number Placeholder 3"/>
           <p:cNvSpPr>
             <a:spLocks noGrp="1"/>
           </p:cNvSpPr>
@@ -2044,18 +1938,13 @@
             <a:fld id="{193FF5D9-4674-4F21-ABEA-BCF3C230FAB2}" type="slidenum">
               <a:rPr lang="pt-BR" smtClean="0"/>
               <a:pPr/>
-              <a:t>‹nº›</a:t>
+              <a:t>‹#›</a:t>
             </a:fld>
             <a:endParaRPr lang="pt-BR"/>
           </a:p>
         </p:txBody>
       </p:sp>
     </p:spTree>
-    <p:extLst>
-      <p:ext uri="{BB962C8B-B14F-4D97-AF65-F5344CB8AC3E}">
-        <p14:creationId xmlns:p14="http://schemas.microsoft.com/office/powerpoint/2010/main" xmlns="" val="803610833"/>
-      </p:ext>
-    </p:extLst>
   </p:cSld>
   <p:clrMapOvr>
     <a:masterClrMapping/>
@@ -2065,7 +1954,7 @@
 
 <file path=ppt/slideLayouts/slideLayout8.xml><?xml version="1.0" encoding="utf-8"?>
 <p:sldLayout xmlns:a="http://schemas.openxmlformats.org/drawingml/2006/main" xmlns:r="http://schemas.openxmlformats.org/officeDocument/2006/relationships" xmlns:p="http://schemas.openxmlformats.org/presentationml/2006/main" type="objTx" preserve="1">
-  <p:cSld name="Conteúdo com Legenda">
+  <p:cSld name="Content with Caption">
     <p:spTree>
       <p:nvGrpSpPr>
         <p:cNvPr id="1" name=""/>
@@ -2082,7 +1971,7 @@
       </p:grpSpPr>
       <p:sp>
         <p:nvSpPr>
-          <p:cNvPr id="2" name="Título 1"/>
+          <p:cNvPr id="2" name="Title 1"/>
           <p:cNvSpPr>
             <a:spLocks noGrp="1"/>
           </p:cNvSpPr>
@@ -2097,29 +1986,92 @@
           </a:xfrm>
         </p:spPr>
         <p:txBody>
-          <a:bodyPr anchor="b"/>
+          <a:bodyPr vert="horz" anchor="b">
+            <a:normAutofit/>
+            <a:sp3d prstMaterial="softEdge"/>
+          </a:bodyPr>
           <a:lstStyle>
             <a:lvl1pPr algn="l">
-              <a:defRPr sz="2000" b="1"/>
+              <a:buNone/>
+              <a:defRPr sz="2200" b="0">
+                <a:ln w="6350">
+                  <a:noFill/>
+                </a:ln>
+                <a:solidFill>
+                  <a:schemeClr val="accent1">
+                    <a:tint val="73000"/>
+                    <a:satMod val="180000"/>
+                  </a:schemeClr>
+                </a:solidFill>
+              </a:defRPr>
             </a:lvl1pPr>
           </a:lstStyle>
           <a:p>
             <a:r>
-              <a:rPr lang="pt-BR" smtClean="0"/>
-              <a:t>Clique para editar o título mestre</a:t>
-            </a:r>
-            <a:endParaRPr lang="pt-BR"/>
-          </a:p>
-        </p:txBody>
-      </p:sp>
-      <p:sp>
-        <p:nvSpPr>
-          <p:cNvPr id="3" name="Espaço Reservado para Conteúdo 2"/>
-          <p:cNvSpPr>
-            <a:spLocks noGrp="1"/>
-          </p:cNvSpPr>
-          <p:nvPr>
-            <p:ph idx="1"/>
+              <a:rPr kumimoji="0" lang="en-US" smtClean="0"/>
+              <a:t>Click to edit Master title style</a:t>
+            </a:r>
+            <a:endParaRPr kumimoji="0" lang="en-US"/>
+          </a:p>
+        </p:txBody>
+      </p:sp>
+      <p:sp>
+        <p:nvSpPr>
+          <p:cNvPr id="3" name="Text Placeholder 2"/>
+          <p:cNvSpPr>
+            <a:spLocks noGrp="1"/>
+          </p:cNvSpPr>
+          <p:nvPr>
+            <p:ph type="body" idx="2"/>
+          </p:nvPr>
+        </p:nvSpPr>
+        <p:spPr>
+          <a:xfrm>
+            <a:off x="457200" y="1524000"/>
+            <a:ext cx="3008313" cy="4602163"/>
+          </a:xfrm>
+        </p:spPr>
+        <p:txBody>
+          <a:bodyPr/>
+          <a:lstStyle>
+            <a:lvl1pPr marL="0" indent="0">
+              <a:buNone/>
+              <a:defRPr sz="1400"/>
+            </a:lvl1pPr>
+            <a:lvl2pPr>
+              <a:buNone/>
+              <a:defRPr sz="1200"/>
+            </a:lvl2pPr>
+            <a:lvl3pPr>
+              <a:buNone/>
+              <a:defRPr sz="1000"/>
+            </a:lvl3pPr>
+            <a:lvl4pPr>
+              <a:buNone/>
+              <a:defRPr sz="900"/>
+            </a:lvl4pPr>
+            <a:lvl5pPr>
+              <a:buNone/>
+              <a:defRPr sz="900"/>
+            </a:lvl5pPr>
+          </a:lstStyle>
+          <a:p>
+            <a:pPr lvl="0" eaLnBrk="1" latinLnBrk="0" hangingPunct="1"/>
+            <a:r>
+              <a:rPr kumimoji="0" lang="en-US" smtClean="0"/>
+              <a:t>Click to edit Master text styles</a:t>
+            </a:r>
+          </a:p>
+        </p:txBody>
+      </p:sp>
+      <p:sp>
+        <p:nvSpPr>
+          <p:cNvPr id="4" name="Content Placeholder 3"/>
+          <p:cNvSpPr>
+            <a:spLocks noGrp="1"/>
+          </p:cNvSpPr>
+          <p:nvPr>
+            <p:ph sz="half" idx="1"/>
           </p:nvPr>
         </p:nvSpPr>
         <p:spPr>
@@ -2132,139 +2084,62 @@
           <a:bodyPr/>
           <a:lstStyle>
             <a:lvl1pPr>
-              <a:defRPr sz="3200"/>
+              <a:defRPr sz="2600"/>
             </a:lvl1pPr>
             <a:lvl2pPr>
-              <a:defRPr sz="2800"/>
+              <a:defRPr sz="2400"/>
             </a:lvl2pPr>
             <a:lvl3pPr>
-              <a:defRPr sz="2400"/>
+              <a:defRPr sz="2200"/>
             </a:lvl3pPr>
             <a:lvl4pPr>
               <a:defRPr sz="2000"/>
             </a:lvl4pPr>
             <a:lvl5pPr>
-              <a:defRPr sz="2000"/>
+              <a:defRPr sz="1800"/>
             </a:lvl5pPr>
-            <a:lvl6pPr>
-              <a:defRPr sz="2000"/>
-            </a:lvl6pPr>
-            <a:lvl7pPr>
-              <a:defRPr sz="2000"/>
-            </a:lvl7pPr>
-            <a:lvl8pPr>
-              <a:defRPr sz="2000"/>
-            </a:lvl8pPr>
-            <a:lvl9pPr>
-              <a:defRPr sz="2000"/>
-            </a:lvl9pPr>
           </a:lstStyle>
           <a:p>
-            <a:pPr lvl="0"/>
-            <a:r>
-              <a:rPr lang="pt-BR" smtClean="0"/>
-              <a:t>Clique para editar o texto mestre</a:t>
-            </a:r>
-          </a:p>
-          <a:p>
-            <a:pPr lvl="1"/>
-            <a:r>
-              <a:rPr lang="pt-BR" smtClean="0"/>
-              <a:t>Segundo nível</a:t>
-            </a:r>
-          </a:p>
-          <a:p>
-            <a:pPr lvl="2"/>
-            <a:r>
-              <a:rPr lang="pt-BR" smtClean="0"/>
-              <a:t>Terceiro nível</a:t>
-            </a:r>
-          </a:p>
-          <a:p>
-            <a:pPr lvl="3"/>
-            <a:r>
-              <a:rPr lang="pt-BR" smtClean="0"/>
-              <a:t>Quarto nível</a:t>
-            </a:r>
-          </a:p>
-          <a:p>
-            <a:pPr lvl="4"/>
-            <a:r>
-              <a:rPr lang="pt-BR" smtClean="0"/>
-              <a:t>Quinto nível</a:t>
-            </a:r>
-            <a:endParaRPr lang="pt-BR"/>
-          </a:p>
-        </p:txBody>
-      </p:sp>
-      <p:sp>
-        <p:nvSpPr>
-          <p:cNvPr id="4" name="Espaço Reservado para Texto 3"/>
-          <p:cNvSpPr>
-            <a:spLocks noGrp="1"/>
-          </p:cNvSpPr>
-          <p:nvPr>
-            <p:ph type="body" sz="half" idx="2"/>
-          </p:nvPr>
-        </p:nvSpPr>
-        <p:spPr>
-          <a:xfrm>
-            <a:off x="457200" y="1435100"/>
-            <a:ext cx="3008313" cy="4691063"/>
-          </a:xfrm>
-        </p:spPr>
-        <p:txBody>
-          <a:bodyPr/>
-          <a:lstStyle>
-            <a:lvl1pPr marL="0" indent="0">
-              <a:buNone/>
-              <a:defRPr sz="1400"/>
-            </a:lvl1pPr>
-            <a:lvl2pPr marL="457200" indent="0">
-              <a:buNone/>
-              <a:defRPr sz="1200"/>
-            </a:lvl2pPr>
-            <a:lvl3pPr marL="914400" indent="0">
-              <a:buNone/>
-              <a:defRPr sz="1000"/>
-            </a:lvl3pPr>
-            <a:lvl4pPr marL="1371600" indent="0">
-              <a:buNone/>
-              <a:defRPr sz="900"/>
-            </a:lvl4pPr>
-            <a:lvl5pPr marL="1828800" indent="0">
-              <a:buNone/>
-              <a:defRPr sz="900"/>
-            </a:lvl5pPr>
-            <a:lvl6pPr marL="2286000" indent="0">
-              <a:buNone/>
-              <a:defRPr sz="900"/>
-            </a:lvl6pPr>
-            <a:lvl7pPr marL="2743200" indent="0">
-              <a:buNone/>
-              <a:defRPr sz="900"/>
-            </a:lvl7pPr>
-            <a:lvl8pPr marL="3200400" indent="0">
-              <a:buNone/>
-              <a:defRPr sz="900"/>
-            </a:lvl8pPr>
-            <a:lvl9pPr marL="3657600" indent="0">
-              <a:buNone/>
-              <a:defRPr sz="900"/>
-            </a:lvl9pPr>
-          </a:lstStyle>
-          <a:p>
-            <a:pPr lvl="0"/>
-            <a:r>
-              <a:rPr lang="pt-BR" smtClean="0"/>
-              <a:t>Clique para editar o texto mestre</a:t>
-            </a:r>
-          </a:p>
-        </p:txBody>
-      </p:sp>
-      <p:sp>
-        <p:nvSpPr>
-          <p:cNvPr id="5" name="Espaço Reservado para Data 4"/>
+            <a:pPr lvl="0" eaLnBrk="1" latinLnBrk="0" hangingPunct="1"/>
+            <a:r>
+              <a:rPr lang="en-US" smtClean="0"/>
+              <a:t>Click to edit Master text styles</a:t>
+            </a:r>
+          </a:p>
+          <a:p>
+            <a:pPr lvl="1" eaLnBrk="1" latinLnBrk="0" hangingPunct="1"/>
+            <a:r>
+              <a:rPr lang="en-US" smtClean="0"/>
+              <a:t>Second level</a:t>
+            </a:r>
+          </a:p>
+          <a:p>
+            <a:pPr lvl="2" eaLnBrk="1" latinLnBrk="0" hangingPunct="1"/>
+            <a:r>
+              <a:rPr lang="en-US" smtClean="0"/>
+              <a:t>Third level</a:t>
+            </a:r>
+          </a:p>
+          <a:p>
+            <a:pPr lvl="3" eaLnBrk="1" latinLnBrk="0" hangingPunct="1"/>
+            <a:r>
+              <a:rPr lang="en-US" smtClean="0"/>
+              <a:t>Fourth level</a:t>
+            </a:r>
+          </a:p>
+          <a:p>
+            <a:pPr lvl="4" eaLnBrk="1" latinLnBrk="0" hangingPunct="1"/>
+            <a:r>
+              <a:rPr lang="en-US" smtClean="0"/>
+              <a:t>Fifth level</a:t>
+            </a:r>
+            <a:endParaRPr kumimoji="0" lang="en-US"/>
+          </a:p>
+        </p:txBody>
+      </p:sp>
+      <p:sp>
+        <p:nvSpPr>
+          <p:cNvPr id="5" name="Date Placeholder 4"/>
           <p:cNvSpPr>
             <a:spLocks noGrp="1"/>
           </p:cNvSpPr>
@@ -2280,7 +2155,7 @@
             <a:fld id="{73948A2C-A351-44A5-9543-EA3B6BD94DE1}" type="datetimeFigureOut">
               <a:rPr lang="pt-BR" smtClean="0"/>
               <a:pPr/>
-              <a:t>16/05/2013</a:t>
+              <a:t>13/6/2013</a:t>
             </a:fld>
             <a:endParaRPr lang="pt-BR"/>
           </a:p>
@@ -2288,7 +2163,7 @@
       </p:sp>
       <p:sp>
         <p:nvSpPr>
-          <p:cNvPr id="6" name="Espaço Reservado para Rodapé 5"/>
+          <p:cNvPr id="6" name="Footer Placeholder 5"/>
           <p:cNvSpPr>
             <a:spLocks noGrp="1"/>
           </p:cNvSpPr>
@@ -2307,7 +2182,7 @@
       </p:sp>
       <p:sp>
         <p:nvSpPr>
-          <p:cNvPr id="7" name="Espaço Reservado para Número de Slide 6"/>
+          <p:cNvPr id="7" name="Slide Number Placeholder 6"/>
           <p:cNvSpPr>
             <a:spLocks noGrp="1"/>
           </p:cNvSpPr>
@@ -2323,18 +2198,13 @@
             <a:fld id="{193FF5D9-4674-4F21-ABEA-BCF3C230FAB2}" type="slidenum">
               <a:rPr lang="pt-BR" smtClean="0"/>
               <a:pPr/>
-              <a:t>‹nº›</a:t>
+              <a:t>‹#›</a:t>
             </a:fld>
             <a:endParaRPr lang="pt-BR"/>
           </a:p>
         </p:txBody>
       </p:sp>
     </p:spTree>
-    <p:extLst>
-      <p:ext uri="{BB962C8B-B14F-4D97-AF65-F5344CB8AC3E}">
-        <p14:creationId xmlns:p14="http://schemas.microsoft.com/office/powerpoint/2010/main" xmlns="" val="1522556783"/>
-      </p:ext>
-    </p:extLst>
   </p:cSld>
   <p:clrMapOvr>
     <a:masterClrMapping/>
@@ -2344,7 +2214,7 @@
 
 <file path=ppt/slideLayouts/slideLayout9.xml><?xml version="1.0" encoding="utf-8"?>
 <p:sldLayout xmlns:a="http://schemas.openxmlformats.org/drawingml/2006/main" xmlns:r="http://schemas.openxmlformats.org/officeDocument/2006/relationships" xmlns:p="http://schemas.openxmlformats.org/presentationml/2006/main" type="picTx" preserve="1">
-  <p:cSld name="Imagem com Legenda">
+  <p:cSld name="Picture with Caption">
     <p:spTree>
       <p:nvGrpSpPr>
         <p:cNvPr id="1" name=""/>
@@ -2361,7 +2231,7 @@
       </p:grpSpPr>
       <p:sp>
         <p:nvSpPr>
-          <p:cNvPr id="2" name="Título 1"/>
+          <p:cNvPr id="2" name="Title 1"/>
           <p:cNvSpPr>
             <a:spLocks noGrp="1"/>
           </p:cNvSpPr>
@@ -2371,29 +2241,32 @@
         </p:nvSpPr>
         <p:spPr>
           <a:xfrm>
-            <a:off x="1792288" y="4800600"/>
-            <a:ext cx="5486400" cy="566738"/>
+            <a:off x="1828800" y="609600"/>
+            <a:ext cx="5486400" cy="522288"/>
           </a:xfrm>
         </p:spPr>
         <p:txBody>
-          <a:bodyPr anchor="b"/>
+          <a:bodyPr lIns="45720" rIns="45720" bIns="0" anchor="b">
+            <a:sp3d prstMaterial="softEdge"/>
+          </a:bodyPr>
           <a:lstStyle>
-            <a:lvl1pPr algn="l">
+            <a:lvl1pPr algn="ctr">
+              <a:buNone/>
               <a:defRPr sz="2000" b="1"/>
             </a:lvl1pPr>
           </a:lstStyle>
           <a:p>
             <a:r>
-              <a:rPr lang="pt-BR" smtClean="0"/>
-              <a:t>Clique para editar o título mestre</a:t>
-            </a:r>
-            <a:endParaRPr lang="pt-BR"/>
-          </a:p>
-        </p:txBody>
-      </p:sp>
-      <p:sp>
-        <p:nvSpPr>
-          <p:cNvPr id="3" name="Espaço Reservado para Imagem 2"/>
+              <a:rPr kumimoji="0" lang="en-US" smtClean="0"/>
+              <a:t>Click to edit Master title style</a:t>
+            </a:r>
+            <a:endParaRPr kumimoji="0" lang="en-US"/>
+          </a:p>
+        </p:txBody>
+      </p:sp>
+      <p:sp>
+        <p:nvSpPr>
+          <p:cNvPr id="3" name="Picture Placeholder 2"/>
           <p:cNvSpPr>
             <a:spLocks noGrp="1"/>
           </p:cNvSpPr>
@@ -2403,58 +2276,91 @@
         </p:nvSpPr>
         <p:spPr>
           <a:xfrm>
-            <a:off x="1792288" y="612775"/>
-            <a:ext cx="5486400" cy="4114800"/>
+            <a:off x="1828800" y="1831975"/>
+            <a:ext cx="5486400" cy="3962400"/>
           </a:xfrm>
+          <a:solidFill>
+            <a:schemeClr val="bg2"/>
+          </a:solidFill>
+          <a:ln w="44450" cap="sq" cmpd="sng" algn="ctr">
+            <a:solidFill>
+              <a:srgbClr val="FFFFFF"/>
+            </a:solidFill>
+            <a:prstDash val="solid"/>
+            <a:miter lim="800000"/>
+          </a:ln>
+          <a:effectLst>
+            <a:outerShdw blurRad="190500" dist="228600" dir="2700000" sy="90000">
+              <a:srgbClr val="000000">
+                <a:alpha val="25000"/>
+              </a:srgbClr>
+            </a:outerShdw>
+          </a:effectLst>
+          <a:scene3d>
+            <a:camera prst="orthographicFront">
+              <a:rot lat="0" lon="0" rev="0"/>
+            </a:camera>
+            <a:lightRig rig="balanced" dir="tr">
+              <a:rot lat="0" lon="0" rev="2700000"/>
+            </a:lightRig>
+          </a:scene3d>
+          <a:sp3d prstMaterial="matte">
+            <a:contourClr>
+              <a:schemeClr val="tx2">
+                <a:shade val="50000"/>
+              </a:schemeClr>
+            </a:contourClr>
+          </a:sp3d>
         </p:spPr>
-        <p:txBody>
-          <a:bodyPr/>
+        <p:style>
+          <a:lnRef idx="3">
+            <a:schemeClr val="lt1"/>
+          </a:lnRef>
+          <a:fillRef idx="1">
+            <a:schemeClr val="accent1"/>
+          </a:fillRef>
+          <a:effectRef idx="1">
+            <a:schemeClr val="accent1"/>
+          </a:effectRef>
+          <a:fontRef idx="minor">
+            <a:schemeClr val="lt1"/>
+          </a:fontRef>
+        </p:style>
+        <p:txBody>
+          <a:bodyPr anchor="t"/>
           <a:lstStyle>
-            <a:lvl1pPr marL="0" indent="0">
+            <a:lvl1pPr indent="0">
               <a:buNone/>
               <a:defRPr sz="3200"/>
             </a:lvl1pPr>
-            <a:lvl2pPr marL="457200" indent="0">
-              <a:buNone/>
-              <a:defRPr sz="2800"/>
-            </a:lvl2pPr>
-            <a:lvl3pPr marL="914400" indent="0">
-              <a:buNone/>
-              <a:defRPr sz="2400"/>
-            </a:lvl3pPr>
-            <a:lvl4pPr marL="1371600" indent="0">
-              <a:buNone/>
-              <a:defRPr sz="2000"/>
-            </a:lvl4pPr>
-            <a:lvl5pPr marL="1828800" indent="0">
-              <a:buNone/>
-              <a:defRPr sz="2000"/>
-            </a:lvl5pPr>
-            <a:lvl6pPr marL="2286000" indent="0">
-              <a:buNone/>
-              <a:defRPr sz="2000"/>
-            </a:lvl6pPr>
-            <a:lvl7pPr marL="2743200" indent="0">
-              <a:buNone/>
-              <a:defRPr sz="2000"/>
-            </a:lvl7pPr>
-            <a:lvl8pPr marL="3200400" indent="0">
-              <a:buNone/>
-              <a:defRPr sz="2000"/>
-            </a:lvl8pPr>
-            <a:lvl9pPr marL="3657600" indent="0">
-              <a:buNone/>
-              <a:defRPr sz="2000"/>
-            </a:lvl9pPr>
           </a:lstStyle>
           <a:p>
-            <a:endParaRPr lang="pt-BR"/>
-          </a:p>
-        </p:txBody>
-      </p:sp>
-      <p:sp>
-        <p:nvSpPr>
-          <p:cNvPr id="4" name="Espaço Reservado para Texto 3"/>
+            <a:pPr marL="0" algn="l" rtl="0" eaLnBrk="1" latinLnBrk="0" hangingPunct="1"/>
+            <a:r>
+              <a:rPr kumimoji="0" lang="en-US" smtClean="0">
+                <a:solidFill>
+                  <a:schemeClr val="lt1"/>
+                </a:solidFill>
+                <a:latin typeface="+mn-lt"/>
+                <a:ea typeface="+mn-ea"/>
+                <a:cs typeface="+mn-cs"/>
+              </a:rPr>
+              <a:t>Click icon to add picture</a:t>
+            </a:r>
+            <a:endParaRPr kumimoji="0" lang="en-US" dirty="0">
+              <a:solidFill>
+                <a:schemeClr val="lt1"/>
+              </a:solidFill>
+              <a:latin typeface="+mn-lt"/>
+              <a:ea typeface="+mn-ea"/>
+              <a:cs typeface="+mn-cs"/>
+            </a:endParaRPr>
+          </a:p>
+        </p:txBody>
+      </p:sp>
+      <p:sp>
+        <p:nvSpPr>
+          <p:cNvPr id="4" name="Text Placeholder 3"/>
           <p:cNvSpPr>
             <a:spLocks noGrp="1"/>
           </p:cNvSpPr>
@@ -2464,62 +2370,42 @@
         </p:nvSpPr>
         <p:spPr>
           <a:xfrm>
-            <a:off x="1792288" y="5367338"/>
-            <a:ext cx="5486400" cy="804862"/>
+            <a:off x="1828800" y="1166787"/>
+            <a:ext cx="5486400" cy="530352"/>
           </a:xfrm>
         </p:spPr>
         <p:txBody>
-          <a:bodyPr/>
+          <a:bodyPr lIns="45720" tIns="45720" rIns="45720" anchor="t"/>
           <a:lstStyle>
-            <a:lvl1pPr marL="0" indent="0">
+            <a:lvl1pPr marL="0" indent="0" algn="ctr">
               <a:buNone/>
               <a:defRPr sz="1400"/>
             </a:lvl1pPr>
-            <a:lvl2pPr marL="457200" indent="0">
-              <a:buNone/>
+            <a:lvl2pPr>
               <a:defRPr sz="1200"/>
             </a:lvl2pPr>
-            <a:lvl3pPr marL="914400" indent="0">
-              <a:buNone/>
+            <a:lvl3pPr>
               <a:defRPr sz="1000"/>
             </a:lvl3pPr>
-            <a:lvl4pPr marL="1371600" indent="0">
-              <a:buNone/>
+            <a:lvl4pPr>
               <a:defRPr sz="900"/>
             </a:lvl4pPr>
-            <a:lvl5pPr marL="1828800" indent="0">
-              <a:buNone/>
+            <a:lvl5pPr>
               <a:defRPr sz="900"/>
             </a:lvl5pPr>
-            <a:lvl6pPr marL="2286000" indent="0">
-              <a:buNone/>
-              <a:defRPr sz="900"/>
-            </a:lvl6pPr>
-            <a:lvl7pPr marL="2743200" indent="0">
-              <a:buNone/>
-              <a:defRPr sz="900"/>
-            </a:lvl7pPr>
-            <a:lvl8pPr marL="3200400" indent="0">
-              <a:buNone/>
-              <a:defRPr sz="900"/>
-            </a:lvl8pPr>
-            <a:lvl9pPr marL="3657600" indent="0">
-              <a:buNone/>
-              <a:defRPr sz="900"/>
-            </a:lvl9pPr>
           </a:lstStyle>
           <a:p>
-            <a:pPr lvl="0"/>
-            <a:r>
-              <a:rPr lang="pt-BR" smtClean="0"/>
-              <a:t>Clique para editar o texto mestre</a:t>
-            </a:r>
-          </a:p>
-        </p:txBody>
-      </p:sp>
-      <p:sp>
-        <p:nvSpPr>
-          <p:cNvPr id="5" name="Espaço Reservado para Data 4"/>
+            <a:pPr lvl="0" eaLnBrk="1" latinLnBrk="0" hangingPunct="1"/>
+            <a:r>
+              <a:rPr kumimoji="0" lang="en-US" smtClean="0"/>
+              <a:t>Click to edit Master text styles</a:t>
+            </a:r>
+          </a:p>
+        </p:txBody>
+      </p:sp>
+      <p:sp>
+        <p:nvSpPr>
+          <p:cNvPr id="5" name="Date Placeholder 4"/>
           <p:cNvSpPr>
             <a:spLocks noGrp="1"/>
           </p:cNvSpPr>
@@ -2535,7 +2421,7 @@
             <a:fld id="{73948A2C-A351-44A5-9543-EA3B6BD94DE1}" type="datetimeFigureOut">
               <a:rPr lang="pt-BR" smtClean="0"/>
               <a:pPr/>
-              <a:t>16/05/2013</a:t>
+              <a:t>13/6/2013</a:t>
             </a:fld>
             <a:endParaRPr lang="pt-BR"/>
           </a:p>
@@ -2543,7 +2429,7 @@
       </p:sp>
       <p:sp>
         <p:nvSpPr>
-          <p:cNvPr id="6" name="Espaço Reservado para Rodapé 5"/>
+          <p:cNvPr id="6" name="Footer Placeholder 5"/>
           <p:cNvSpPr>
             <a:spLocks noGrp="1"/>
           </p:cNvSpPr>
@@ -2562,7 +2448,7 @@
       </p:sp>
       <p:sp>
         <p:nvSpPr>
-          <p:cNvPr id="7" name="Espaço Reservado para Número de Slide 6"/>
+          <p:cNvPr id="7" name="Slide Number Placeholder 6"/>
           <p:cNvSpPr>
             <a:spLocks noGrp="1"/>
           </p:cNvSpPr>
@@ -2578,18 +2464,13 @@
             <a:fld id="{193FF5D9-4674-4F21-ABEA-BCF3C230FAB2}" type="slidenum">
               <a:rPr lang="pt-BR" smtClean="0"/>
               <a:pPr/>
-              <a:t>‹nº›</a:t>
+              <a:t>‹#›</a:t>
             </a:fld>
             <a:endParaRPr lang="pt-BR"/>
           </a:p>
         </p:txBody>
       </p:sp>
     </p:spTree>
-    <p:extLst>
-      <p:ext uri="{BB962C8B-B14F-4D97-AF65-F5344CB8AC3E}">
-        <p14:creationId xmlns:p14="http://schemas.microsoft.com/office/powerpoint/2010/main" xmlns="" val="1990534868"/>
-      </p:ext>
-    </p:extLst>
   </p:cSld>
   <p:clrMapOvr>
     <a:masterClrMapping/>
@@ -2601,8 +2482,8 @@
 <p:sldMaster xmlns:a="http://schemas.openxmlformats.org/drawingml/2006/main" xmlns:r="http://schemas.openxmlformats.org/officeDocument/2006/relationships" xmlns:p="http://schemas.openxmlformats.org/presentationml/2006/main">
   <p:cSld>
     <p:bg>
-      <p:bgRef idx="1001">
-        <a:schemeClr val="bg1"/>
+      <p:bgRef idx="1003">
+        <a:schemeClr val="bg2"/>
       </p:bgRef>
     </p:bg>
     <p:spTree>
@@ -2621,7 +2502,7 @@
       </p:grpSpPr>
       <p:sp>
         <p:nvSpPr>
-          <p:cNvPr id="2" name="Espaço Reservado para Título 1"/>
+          <p:cNvPr id="22" name="Title Placeholder 21"/>
           <p:cNvSpPr>
             <a:spLocks noGrp="1"/>
           </p:cNvSpPr>
@@ -2639,22 +2520,31 @@
           </a:prstGeom>
         </p:spPr>
         <p:txBody>
-          <a:bodyPr vert="horz" lIns="91440" tIns="45720" rIns="91440" bIns="45720" rtlCol="0" anchor="ctr">
+          <a:bodyPr vert="horz" anchor="ctr">
             <a:normAutofit/>
+            <a:scene3d>
+              <a:camera prst="orthographicFront"/>
+              <a:lightRig rig="soft" dir="t">
+                <a:rot lat="0" lon="0" rev="16800000"/>
+              </a:lightRig>
+            </a:scene3d>
+            <a:sp3d prstMaterial="softEdge">
+              <a:bevelT w="38100" h="38100"/>
+            </a:sp3d>
           </a:bodyPr>
           <a:lstStyle/>
           <a:p>
             <a:r>
-              <a:rPr lang="pt-BR" smtClean="0"/>
-              <a:t>Clique para editar o título mestre</a:t>
-            </a:r>
-            <a:endParaRPr lang="pt-BR"/>
-          </a:p>
-        </p:txBody>
-      </p:sp>
-      <p:sp>
-        <p:nvSpPr>
-          <p:cNvPr id="3" name="Espaço Reservado para Texto 2"/>
+              <a:rPr kumimoji="0" lang="en-US" smtClean="0"/>
+              <a:t>Click to edit Master title style</a:t>
+            </a:r>
+            <a:endParaRPr kumimoji="0" lang="en-US"/>
+          </a:p>
+        </p:txBody>
+      </p:sp>
+      <p:sp>
+        <p:nvSpPr>
+          <p:cNvPr id="13" name="Text Placeholder 12"/>
           <p:cNvSpPr>
             <a:spLocks noGrp="1"/>
           </p:cNvSpPr>
@@ -2665,58 +2555,58 @@
         <p:spPr>
           <a:xfrm>
             <a:off x="457200" y="1600200"/>
-            <a:ext cx="8229600" cy="4525963"/>
+            <a:ext cx="8229600" cy="4709160"/>
           </a:xfrm>
           <a:prstGeom prst="rect">
             <a:avLst/>
           </a:prstGeom>
         </p:spPr>
         <p:txBody>
-          <a:bodyPr vert="horz" lIns="91440" tIns="45720" rIns="91440" bIns="45720" rtlCol="0">
+          <a:bodyPr vert="horz">
             <a:normAutofit/>
           </a:bodyPr>
           <a:lstStyle/>
           <a:p>
-            <a:pPr lvl="0"/>
-            <a:r>
-              <a:rPr lang="pt-BR" smtClean="0"/>
-              <a:t>Clique para editar o texto mestre</a:t>
-            </a:r>
-          </a:p>
-          <a:p>
-            <a:pPr lvl="1"/>
-            <a:r>
-              <a:rPr lang="pt-BR" smtClean="0"/>
-              <a:t>Segundo nível</a:t>
-            </a:r>
-          </a:p>
-          <a:p>
-            <a:pPr lvl="2"/>
-            <a:r>
-              <a:rPr lang="pt-BR" smtClean="0"/>
-              <a:t>Terceiro nível</a:t>
-            </a:r>
-          </a:p>
-          <a:p>
-            <a:pPr lvl="3"/>
-            <a:r>
-              <a:rPr lang="pt-BR" smtClean="0"/>
-              <a:t>Quarto nível</a:t>
-            </a:r>
-          </a:p>
-          <a:p>
-            <a:pPr lvl="4"/>
-            <a:r>
-              <a:rPr lang="pt-BR" smtClean="0"/>
-              <a:t>Quinto nível</a:t>
-            </a:r>
-            <a:endParaRPr lang="pt-BR"/>
-          </a:p>
-        </p:txBody>
-      </p:sp>
-      <p:sp>
-        <p:nvSpPr>
-          <p:cNvPr id="4" name="Espaço Reservado para Data 3"/>
+            <a:pPr lvl="0" eaLnBrk="1" latinLnBrk="0" hangingPunct="1"/>
+            <a:r>
+              <a:rPr kumimoji="0" lang="en-US" smtClean="0"/>
+              <a:t>Click to edit Master text styles</a:t>
+            </a:r>
+          </a:p>
+          <a:p>
+            <a:pPr lvl="1" eaLnBrk="1" latinLnBrk="0" hangingPunct="1"/>
+            <a:r>
+              <a:rPr kumimoji="0" lang="en-US" smtClean="0"/>
+              <a:t>Second level</a:t>
+            </a:r>
+          </a:p>
+          <a:p>
+            <a:pPr lvl="2" eaLnBrk="1" latinLnBrk="0" hangingPunct="1"/>
+            <a:r>
+              <a:rPr kumimoji="0" lang="en-US" smtClean="0"/>
+              <a:t>Third level</a:t>
+            </a:r>
+          </a:p>
+          <a:p>
+            <a:pPr lvl="3" eaLnBrk="1" latinLnBrk="0" hangingPunct="1"/>
+            <a:r>
+              <a:rPr kumimoji="0" lang="en-US" smtClean="0"/>
+              <a:t>Fourth level</a:t>
+            </a:r>
+          </a:p>
+          <a:p>
+            <a:pPr lvl="4" eaLnBrk="1" latinLnBrk="0" hangingPunct="1"/>
+            <a:r>
+              <a:rPr kumimoji="0" lang="en-US" smtClean="0"/>
+              <a:t>Fifth level</a:t>
+            </a:r>
+            <a:endParaRPr kumimoji="0" lang="en-US"/>
+          </a:p>
+        </p:txBody>
+      </p:sp>
+      <p:sp>
+        <p:nvSpPr>
+          <p:cNvPr id="14" name="Date Placeholder 13"/>
           <p:cNvSpPr>
             <a:spLocks noGrp="1"/>
           </p:cNvSpPr>
@@ -2726,7 +2616,7 @@
         </p:nvSpPr>
         <p:spPr>
           <a:xfrm>
-            <a:off x="457200" y="6356350"/>
+            <a:off x="457200" y="6416675"/>
             <a:ext cx="2133600" cy="365125"/>
           </a:xfrm>
           <a:prstGeom prst="rect">
@@ -2734,13 +2624,13 @@
           </a:prstGeom>
         </p:spPr>
         <p:txBody>
-          <a:bodyPr vert="horz" lIns="91440" tIns="45720" rIns="91440" bIns="45720" rtlCol="0" anchor="ctr"/>
+          <a:bodyPr vert="horz" anchor="b"/>
           <a:lstStyle>
-            <a:lvl1pPr algn="l">
-              <a:defRPr sz="1200">
+            <a:lvl1pPr algn="l" eaLnBrk="1" latinLnBrk="0" hangingPunct="1">
+              <a:defRPr kumimoji="0" sz="1200">
                 <a:solidFill>
                   <a:schemeClr val="tx1">
-                    <a:tint val="75000"/>
+                    <a:shade val="50000"/>
                   </a:schemeClr>
                 </a:solidFill>
               </a:defRPr>
@@ -2750,7 +2640,7 @@
             <a:fld id="{73948A2C-A351-44A5-9543-EA3B6BD94DE1}" type="datetimeFigureOut">
               <a:rPr lang="pt-BR" smtClean="0"/>
               <a:pPr/>
-              <a:t>16/05/2013</a:t>
+              <a:t>13/6/2013</a:t>
             </a:fld>
             <a:endParaRPr lang="pt-BR"/>
           </a:p>
@@ -2758,7 +2648,7 @@
       </p:sp>
       <p:sp>
         <p:nvSpPr>
-          <p:cNvPr id="5" name="Espaço Reservado para Rodapé 4"/>
+          <p:cNvPr id="3" name="Footer Placeholder 2"/>
           <p:cNvSpPr>
             <a:spLocks noGrp="1"/>
           </p:cNvSpPr>
@@ -2768,7 +2658,7 @@
         </p:nvSpPr>
         <p:spPr>
           <a:xfrm>
-            <a:off x="3124200" y="6356350"/>
+            <a:off x="3124200" y="6416675"/>
             <a:ext cx="2895600" cy="365125"/>
           </a:xfrm>
           <a:prstGeom prst="rect">
@@ -2776,13 +2666,13 @@
           </a:prstGeom>
         </p:spPr>
         <p:txBody>
-          <a:bodyPr vert="horz" lIns="91440" tIns="45720" rIns="91440" bIns="45720" rtlCol="0" anchor="ctr"/>
+          <a:bodyPr vert="horz" anchor="b"/>
           <a:lstStyle>
-            <a:lvl1pPr algn="ctr">
-              <a:defRPr sz="1200">
+            <a:lvl1pPr algn="ctr" eaLnBrk="1" latinLnBrk="0" hangingPunct="1">
+              <a:defRPr kumimoji="0" sz="1200">
                 <a:solidFill>
                   <a:schemeClr val="tx1">
-                    <a:tint val="75000"/>
+                    <a:shade val="50000"/>
                   </a:schemeClr>
                 </a:solidFill>
               </a:defRPr>
@@ -2795,7 +2685,7 @@
       </p:sp>
       <p:sp>
         <p:nvSpPr>
-          <p:cNvPr id="6" name="Espaço Reservado para Número de Slide 5"/>
+          <p:cNvPr id="23" name="Slide Number Placeholder 22"/>
           <p:cNvSpPr>
             <a:spLocks noGrp="1"/>
           </p:cNvSpPr>
@@ -2805,21 +2695,21 @@
         </p:nvSpPr>
         <p:spPr>
           <a:xfrm>
-            <a:off x="6553200" y="6356350"/>
-            <a:ext cx="2133600" cy="365125"/>
+            <a:off x="7924800" y="6416675"/>
+            <a:ext cx="762000" cy="365125"/>
           </a:xfrm>
           <a:prstGeom prst="rect">
             <a:avLst/>
           </a:prstGeom>
         </p:spPr>
         <p:txBody>
-          <a:bodyPr vert="horz" lIns="91440" tIns="45720" rIns="91440" bIns="45720" rtlCol="0" anchor="ctr"/>
+          <a:bodyPr vert="horz" lIns="0" rIns="0" anchor="b"/>
           <a:lstStyle>
-            <a:lvl1pPr algn="r">
-              <a:defRPr sz="1200">
+            <a:lvl1pPr algn="r" eaLnBrk="1" latinLnBrk="0" hangingPunct="1">
+              <a:defRPr kumimoji="0" sz="1200">
                 <a:solidFill>
                   <a:schemeClr val="tx1">
-                    <a:tint val="75000"/>
+                    <a:shade val="50000"/>
                   </a:schemeClr>
                 </a:solidFill>
               </a:defRPr>
@@ -2829,44 +2719,69 @@
             <a:fld id="{193FF5D9-4674-4F21-ABEA-BCF3C230FAB2}" type="slidenum">
               <a:rPr lang="pt-BR" smtClean="0"/>
               <a:pPr/>
-              <a:t>‹nº›</a:t>
+              <a:t>‹#›</a:t>
             </a:fld>
             <a:endParaRPr lang="pt-BR"/>
           </a:p>
         </p:txBody>
       </p:sp>
     </p:spTree>
-    <p:extLst>
-      <p:ext uri="{BB962C8B-B14F-4D97-AF65-F5344CB8AC3E}">
-        <p14:creationId xmlns:p14="http://schemas.microsoft.com/office/powerpoint/2010/main" xmlns="" val="970313191"/>
-      </p:ext>
-    </p:extLst>
   </p:cSld>
-  <p:clrMap bg1="lt1" tx1="dk1" bg2="lt2" tx2="dk2" accent1="accent1" accent2="accent2" accent3="accent3" accent4="accent4" accent5="accent5" accent6="accent6" hlink="hlink" folHlink="folHlink"/>
+  <p:clrMap bg1="dk1" tx1="lt1" bg2="dk2" tx2="lt2" accent1="accent1" accent2="accent2" accent3="accent3" accent4="accent4" accent5="accent5" accent6="accent6" hlink="hlink" folHlink="folHlink"/>
   <p:sldLayoutIdLst>
-    <p:sldLayoutId id="2147483649" r:id="rId1"/>
-    <p:sldLayoutId id="2147483650" r:id="rId2"/>
-    <p:sldLayoutId id="2147483651" r:id="rId3"/>
-    <p:sldLayoutId id="2147483652" r:id="rId4"/>
-    <p:sldLayoutId id="2147483653" r:id="rId5"/>
-    <p:sldLayoutId id="2147483654" r:id="rId6"/>
-    <p:sldLayoutId id="2147483655" r:id="rId7"/>
-    <p:sldLayoutId id="2147483656" r:id="rId8"/>
-    <p:sldLayoutId id="2147483657" r:id="rId9"/>
-    <p:sldLayoutId id="2147483658" r:id="rId10"/>
-    <p:sldLayoutId id="2147483659" r:id="rId11"/>
+    <p:sldLayoutId id="2147483661" r:id="rId1"/>
+    <p:sldLayoutId id="2147483662" r:id="rId2"/>
+    <p:sldLayoutId id="2147483663" r:id="rId3"/>
+    <p:sldLayoutId id="2147483664" r:id="rId4"/>
+    <p:sldLayoutId id="2147483665" r:id="rId5"/>
+    <p:sldLayoutId id="2147483666" r:id="rId6"/>
+    <p:sldLayoutId id="2147483667" r:id="rId7"/>
+    <p:sldLayoutId id="2147483668" r:id="rId8"/>
+    <p:sldLayoutId id="2147483669" r:id="rId9"/>
+    <p:sldLayoutId id="2147483670" r:id="rId10"/>
+    <p:sldLayoutId id="2147483671" r:id="rId11"/>
   </p:sldLayoutIdLst>
   <p:txStyles>
     <p:titleStyle>
-      <a:lvl1pPr algn="ctr" defTabSz="914400" rtl="0" eaLnBrk="1" latinLnBrk="0" hangingPunct="1">
+      <a:lvl1pPr algn="ctr" rtl="0" eaLnBrk="1" latinLnBrk="0" hangingPunct="1">
         <a:spcBef>
           <a:spcPct val="0"/>
         </a:spcBef>
         <a:buNone/>
-        <a:defRPr sz="4400" kern="1200">
-          <a:solidFill>
-            <a:schemeClr val="tx1"/>
-          </a:solidFill>
+        <a:defRPr kumimoji="0" sz="4100" b="1" kern="1200" cap="none" baseline="0">
+          <a:ln w="6350">
+            <a:noFill/>
+          </a:ln>
+          <a:gradFill>
+            <a:gsLst>
+              <a:gs pos="0">
+                <a:schemeClr val="accent1">
+                  <a:tint val="73000"/>
+                  <a:satMod val="145000"/>
+                </a:schemeClr>
+              </a:gs>
+              <a:gs pos="73000">
+                <a:schemeClr val="accent1">
+                  <a:tint val="73000"/>
+                  <a:satMod val="145000"/>
+                </a:schemeClr>
+              </a:gs>
+              <a:gs pos="100000">
+                <a:schemeClr val="accent1">
+                  <a:tint val="83000"/>
+                  <a:satMod val="143000"/>
+                </a:schemeClr>
+              </a:gs>
+            </a:gsLst>
+            <a:lin ang="4800000" scaled="1"/>
+          </a:gradFill>
+          <a:effectLst>
+            <a:outerShdw blurRad="114300" dist="101600" dir="2700000" algn="tl" rotWithShape="0">
+              <a:srgbClr val="000000">
+                <a:alpha val="40000"/>
+              </a:srgbClr>
+            </a:outerShdw>
+          </a:effectLst>
           <a:latin typeface="+mj-lt"/>
           <a:ea typeface="+mj-ea"/>
           <a:cs typeface="+mj-cs"/>
@@ -2874,13 +2789,19 @@
       </a:lvl1pPr>
     </p:titleStyle>
     <p:bodyStyle>
-      <a:lvl1pPr marL="342900" indent="-342900" algn="l" defTabSz="914400" rtl="0" eaLnBrk="1" latinLnBrk="0" hangingPunct="1">
+      <a:lvl1pPr marL="548640" indent="-411480" algn="l" rtl="0" eaLnBrk="1" latinLnBrk="0" hangingPunct="1">
         <a:spcBef>
           <a:spcPct val="20000"/>
         </a:spcBef>
-        <a:buFont typeface="Arial" pitchFamily="34" charset="0"/>
-        <a:buChar char="•"/>
-        <a:defRPr sz="3200" kern="1200">
+        <a:buClr>
+          <a:schemeClr val="tx1">
+            <a:shade val="95000"/>
+          </a:schemeClr>
+        </a:buClr>
+        <a:buSzPct val="65000"/>
+        <a:buFont typeface="Wingdings 2"/>
+        <a:buChar char=""/>
+        <a:defRPr kumimoji="0" sz="2800" kern="1200">
           <a:solidFill>
             <a:schemeClr val="tx1"/>
           </a:solidFill>
@@ -2889,13 +2810,17 @@
           <a:cs typeface="+mn-cs"/>
         </a:defRPr>
       </a:lvl1pPr>
-      <a:lvl2pPr marL="742950" indent="-285750" algn="l" defTabSz="914400" rtl="0" eaLnBrk="1" latinLnBrk="0" hangingPunct="1">
+      <a:lvl2pPr marL="868680" indent="-283464" algn="l" rtl="0" eaLnBrk="1" latinLnBrk="0" hangingPunct="1">
         <a:spcBef>
           <a:spcPct val="20000"/>
         </a:spcBef>
-        <a:buFont typeface="Arial" pitchFamily="34" charset="0"/>
-        <a:buChar char="–"/>
-        <a:defRPr sz="2800" kern="1200">
+        <a:buClr>
+          <a:schemeClr val="tx1"/>
+        </a:buClr>
+        <a:buSzPct val="80000"/>
+        <a:buFont typeface="Wingdings 2"/>
+        <a:buChar char=""/>
+        <a:defRPr kumimoji="0" sz="2400" kern="1200">
           <a:solidFill>
             <a:schemeClr val="tx1"/>
           </a:solidFill>
@@ -2904,13 +2829,17 @@
           <a:cs typeface="+mn-cs"/>
         </a:defRPr>
       </a:lvl2pPr>
-      <a:lvl3pPr marL="1143000" indent="-228600" algn="l" defTabSz="914400" rtl="0" eaLnBrk="1" latinLnBrk="0" hangingPunct="1">
+      <a:lvl3pPr marL="1133856" indent="-228600" algn="l" rtl="0" eaLnBrk="1" latinLnBrk="0" hangingPunct="1">
         <a:spcBef>
           <a:spcPct val="20000"/>
         </a:spcBef>
-        <a:buFont typeface="Arial" pitchFamily="34" charset="0"/>
-        <a:buChar char="•"/>
-        <a:defRPr sz="2400" kern="1200">
+        <a:buClr>
+          <a:schemeClr val="tx1"/>
+        </a:buClr>
+        <a:buSzPct val="95000"/>
+        <a:buFont typeface="Wingdings"/>
+        <a:buChar char=""/>
+        <a:defRPr kumimoji="0" sz="2200" kern="1200">
           <a:solidFill>
             <a:schemeClr val="tx1"/>
           </a:solidFill>
@@ -2919,13 +2848,17 @@
           <a:cs typeface="+mn-cs"/>
         </a:defRPr>
       </a:lvl3pPr>
-      <a:lvl4pPr marL="1600200" indent="-228600" algn="l" defTabSz="914400" rtl="0" eaLnBrk="1" latinLnBrk="0" hangingPunct="1">
+      <a:lvl4pPr marL="1353312" indent="-182880" algn="l" rtl="0" eaLnBrk="1" latinLnBrk="0" hangingPunct="1">
         <a:spcBef>
           <a:spcPct val="20000"/>
         </a:spcBef>
-        <a:buFont typeface="Arial" pitchFamily="34" charset="0"/>
-        <a:buChar char="–"/>
-        <a:defRPr sz="2000" kern="1200">
+        <a:buClr>
+          <a:schemeClr val="tx1"/>
+        </a:buClr>
+        <a:buSzPct val="100000"/>
+        <a:buFont typeface="Wingdings 3"/>
+        <a:buChar char=""/>
+        <a:defRPr kumimoji="0" sz="2000" kern="1200">
           <a:solidFill>
             <a:schemeClr val="tx1"/>
           </a:solidFill>
@@ -2934,13 +2867,16 @@
           <a:cs typeface="+mn-cs"/>
         </a:defRPr>
       </a:lvl4pPr>
-      <a:lvl5pPr marL="2057400" indent="-228600" algn="l" defTabSz="914400" rtl="0" eaLnBrk="1" latinLnBrk="0" hangingPunct="1">
+      <a:lvl5pPr marL="1545336" indent="-182880" algn="l" rtl="0" eaLnBrk="1" latinLnBrk="0" hangingPunct="1">
         <a:spcBef>
           <a:spcPct val="20000"/>
         </a:spcBef>
-        <a:buFont typeface="Arial" pitchFamily="34" charset="0"/>
-        <a:buChar char="»"/>
-        <a:defRPr sz="2000" kern="1200">
+        <a:buClr>
+          <a:schemeClr val="tx1"/>
+        </a:buClr>
+        <a:buFont typeface="Wingdings 2"/>
+        <a:buChar char=""/>
+        <a:defRPr kumimoji="0" sz="2000" kern="1200">
           <a:solidFill>
             <a:schemeClr val="tx1"/>
           </a:solidFill>
@@ -2949,13 +2885,16 @@
           <a:cs typeface="+mn-cs"/>
         </a:defRPr>
       </a:lvl5pPr>
-      <a:lvl6pPr marL="2514600" indent="-228600" algn="l" defTabSz="914400" rtl="0" eaLnBrk="1" latinLnBrk="0" hangingPunct="1">
+      <a:lvl6pPr marL="1764792" indent="-182880" algn="l" rtl="0" eaLnBrk="1" latinLnBrk="0" hangingPunct="1">
         <a:spcBef>
           <a:spcPct val="20000"/>
         </a:spcBef>
-        <a:buFont typeface="Arial" pitchFamily="34" charset="0"/>
-        <a:buChar char="•"/>
-        <a:defRPr sz="2000" kern="1200">
+        <a:buClr>
+          <a:schemeClr val="tx1"/>
+        </a:buClr>
+        <a:buFont typeface="Wingdings 3"/>
+        <a:buChar char=""/>
+        <a:defRPr kumimoji="0" sz="1800" kern="1200">
           <a:solidFill>
             <a:schemeClr val="tx1"/>
           </a:solidFill>
@@ -2964,13 +2903,16 @@
           <a:cs typeface="+mn-cs"/>
         </a:defRPr>
       </a:lvl6pPr>
-      <a:lvl7pPr marL="2971800" indent="-228600" algn="l" defTabSz="914400" rtl="0" eaLnBrk="1" latinLnBrk="0" hangingPunct="1">
+      <a:lvl7pPr marL="1965960" indent="-182880" algn="l" rtl="0" eaLnBrk="1" latinLnBrk="0" hangingPunct="1">
         <a:spcBef>
           <a:spcPct val="20000"/>
         </a:spcBef>
-        <a:buFont typeface="Arial" pitchFamily="34" charset="0"/>
-        <a:buChar char="•"/>
-        <a:defRPr sz="2000" kern="1200">
+        <a:buClr>
+          <a:schemeClr val="tx1"/>
+        </a:buClr>
+        <a:buFont typeface="Wingdings 2"/>
+        <a:buChar char=""/>
+        <a:defRPr kumimoji="0" sz="1600" kern="1200">
           <a:solidFill>
             <a:schemeClr val="tx1"/>
           </a:solidFill>
@@ -2979,13 +2921,16 @@
           <a:cs typeface="+mn-cs"/>
         </a:defRPr>
       </a:lvl7pPr>
-      <a:lvl8pPr marL="3429000" indent="-228600" algn="l" defTabSz="914400" rtl="0" eaLnBrk="1" latinLnBrk="0" hangingPunct="1">
+      <a:lvl8pPr marL="2167128" indent="-182880" algn="l" rtl="0" eaLnBrk="1" latinLnBrk="0" hangingPunct="1">
         <a:spcBef>
           <a:spcPct val="20000"/>
         </a:spcBef>
-        <a:buFont typeface="Arial" pitchFamily="34" charset="0"/>
-        <a:buChar char="•"/>
-        <a:defRPr sz="2000" kern="1200">
+        <a:buClr>
+          <a:schemeClr val="tx1"/>
+        </a:buClr>
+        <a:buFont typeface="Wingdings 2"/>
+        <a:buChar char=""/>
+        <a:defRPr kumimoji="0" sz="1400" kern="1200">
           <a:solidFill>
             <a:schemeClr val="tx1"/>
           </a:solidFill>
@@ -2994,13 +2939,16 @@
           <a:cs typeface="+mn-cs"/>
         </a:defRPr>
       </a:lvl8pPr>
-      <a:lvl9pPr marL="3886200" indent="-228600" algn="l" defTabSz="914400" rtl="0" eaLnBrk="1" latinLnBrk="0" hangingPunct="1">
+      <a:lvl9pPr marL="2368296" indent="-182880" algn="l" rtl="0" eaLnBrk="1" latinLnBrk="0" hangingPunct="1">
         <a:spcBef>
           <a:spcPct val="20000"/>
         </a:spcBef>
-        <a:buFont typeface="Arial" pitchFamily="34" charset="0"/>
-        <a:buChar char="•"/>
-        <a:defRPr sz="2000" kern="1200">
+        <a:buClr>
+          <a:schemeClr val="tx1"/>
+        </a:buClr>
+        <a:buFont typeface="Wingdings 2"/>
+        <a:buChar char=""/>
+        <a:defRPr kumimoji="0" sz="1400" kern="1200" baseline="0">
           <a:solidFill>
             <a:schemeClr val="tx1"/>
           </a:solidFill>
@@ -3011,11 +2959,8 @@
       </a:lvl9pPr>
     </p:bodyStyle>
     <p:otherStyle>
-      <a:defPPr>
-        <a:defRPr lang="pt-BR"/>
-      </a:defPPr>
-      <a:lvl1pPr marL="0" algn="l" defTabSz="914400" rtl="0" eaLnBrk="1" latinLnBrk="0" hangingPunct="1">
-        <a:defRPr sz="1800" kern="1200">
+      <a:lvl1pPr marL="0" algn="l" rtl="0" eaLnBrk="1" latinLnBrk="0" hangingPunct="1">
+        <a:defRPr kumimoji="0" kern="1200">
           <a:solidFill>
             <a:schemeClr val="tx1"/>
           </a:solidFill>
@@ -3024,8 +2969,8 @@
           <a:cs typeface="+mn-cs"/>
         </a:defRPr>
       </a:lvl1pPr>
-      <a:lvl2pPr marL="457200" algn="l" defTabSz="914400" rtl="0" eaLnBrk="1" latinLnBrk="0" hangingPunct="1">
-        <a:defRPr sz="1800" kern="1200">
+      <a:lvl2pPr marL="457200" algn="l" rtl="0" eaLnBrk="1" latinLnBrk="0" hangingPunct="1">
+        <a:defRPr kumimoji="0" kern="1200">
           <a:solidFill>
             <a:schemeClr val="tx1"/>
           </a:solidFill>
@@ -3034,8 +2979,8 @@
           <a:cs typeface="+mn-cs"/>
         </a:defRPr>
       </a:lvl2pPr>
-      <a:lvl3pPr marL="914400" algn="l" defTabSz="914400" rtl="0" eaLnBrk="1" latinLnBrk="0" hangingPunct="1">
-        <a:defRPr sz="1800" kern="1200">
+      <a:lvl3pPr marL="914400" algn="l" rtl="0" eaLnBrk="1" latinLnBrk="0" hangingPunct="1">
+        <a:defRPr kumimoji="0" kern="1200">
           <a:solidFill>
             <a:schemeClr val="tx1"/>
           </a:solidFill>
@@ -3044,8 +2989,8 @@
           <a:cs typeface="+mn-cs"/>
         </a:defRPr>
       </a:lvl3pPr>
-      <a:lvl4pPr marL="1371600" algn="l" defTabSz="914400" rtl="0" eaLnBrk="1" latinLnBrk="0" hangingPunct="1">
-        <a:defRPr sz="1800" kern="1200">
+      <a:lvl4pPr marL="1371600" algn="l" rtl="0" eaLnBrk="1" latinLnBrk="0" hangingPunct="1">
+        <a:defRPr kumimoji="0" kern="1200">
           <a:solidFill>
             <a:schemeClr val="tx1"/>
           </a:solidFill>
@@ -3054,8 +2999,8 @@
           <a:cs typeface="+mn-cs"/>
         </a:defRPr>
       </a:lvl4pPr>
-      <a:lvl5pPr marL="1828800" algn="l" defTabSz="914400" rtl="0" eaLnBrk="1" latinLnBrk="0" hangingPunct="1">
-        <a:defRPr sz="1800" kern="1200">
+      <a:lvl5pPr marL="1828800" algn="l" rtl="0" eaLnBrk="1" latinLnBrk="0" hangingPunct="1">
+        <a:defRPr kumimoji="0" kern="1200">
           <a:solidFill>
             <a:schemeClr val="tx1"/>
           </a:solidFill>
@@ -3064,8 +3009,8 @@
           <a:cs typeface="+mn-cs"/>
         </a:defRPr>
       </a:lvl5pPr>
-      <a:lvl6pPr marL="2286000" algn="l" defTabSz="914400" rtl="0" eaLnBrk="1" latinLnBrk="0" hangingPunct="1">
-        <a:defRPr sz="1800" kern="1200">
+      <a:lvl6pPr marL="2286000" algn="l" rtl="0" eaLnBrk="1" latinLnBrk="0" hangingPunct="1">
+        <a:defRPr kumimoji="0" kern="1200">
           <a:solidFill>
             <a:schemeClr val="tx1"/>
           </a:solidFill>
@@ -3074,8 +3019,8 @@
           <a:cs typeface="+mn-cs"/>
         </a:defRPr>
       </a:lvl6pPr>
-      <a:lvl7pPr marL="2743200" algn="l" defTabSz="914400" rtl="0" eaLnBrk="1" latinLnBrk="0" hangingPunct="1">
-        <a:defRPr sz="1800" kern="1200">
+      <a:lvl7pPr marL="2743200" algn="l" rtl="0" eaLnBrk="1" latinLnBrk="0" hangingPunct="1">
+        <a:defRPr kumimoji="0" kern="1200">
           <a:solidFill>
             <a:schemeClr val="tx1"/>
           </a:solidFill>
@@ -3084,8 +3029,8 @@
           <a:cs typeface="+mn-cs"/>
         </a:defRPr>
       </a:lvl7pPr>
-      <a:lvl8pPr marL="3200400" algn="l" defTabSz="914400" rtl="0" eaLnBrk="1" latinLnBrk="0" hangingPunct="1">
-        <a:defRPr sz="1800" kern="1200">
+      <a:lvl8pPr marL="3200400" algn="l" rtl="0" eaLnBrk="1" latinLnBrk="0" hangingPunct="1">
+        <a:defRPr kumimoji="0" kern="1200">
           <a:solidFill>
             <a:schemeClr val="tx1"/>
           </a:solidFill>
@@ -3094,8 +3039,8 @@
           <a:cs typeface="+mn-cs"/>
         </a:defRPr>
       </a:lvl8pPr>
-      <a:lvl9pPr marL="3657600" algn="l" defTabSz="914400" rtl="0" eaLnBrk="1" latinLnBrk="0" hangingPunct="1">
-        <a:defRPr sz="1800" kern="1200">
+      <a:lvl9pPr marL="3657600" algn="l" rtl="0" eaLnBrk="1" latinLnBrk="0" hangingPunct="1">
+        <a:defRPr kumimoji="0" kern="1200">
           <a:solidFill>
             <a:schemeClr val="tx1"/>
           </a:solidFill>
@@ -3142,8 +3087,10 @@
           <a:lstStyle/>
           <a:p>
             <a:r>
-              <a:rPr lang="pt-BR" dirty="0" smtClean="0"/>
-              <a:t>Nome do Projeto</a:t>
+              <a:rPr lang="pt-BR" dirty="0">
+                <a:effectLst/>
+              </a:rPr>
+              <a:t>F.A.D.D.V.M</a:t>
             </a:r>
             <a:endParaRPr lang="pt-BR" dirty="0"/>
           </a:p>
@@ -3171,7 +3118,13 @@
           <a:p>
             <a:r>
               <a:rPr lang="pt-BR" dirty="0" smtClean="0"/>
-              <a:t>Nome dos alunos</a:t>
+              <a:t>Hamilton Santos</a:t>
+            </a:r>
+          </a:p>
+          <a:p>
+            <a:r>
+              <a:rPr lang="pt-BR" dirty="0" smtClean="0"/>
+              <a:t>Talles Borges</a:t>
             </a:r>
             <a:endParaRPr lang="pt-BR" dirty="0"/>
           </a:p>
@@ -3180,7 +3133,92 @@
     </p:spTree>
     <p:extLst>
       <p:ext uri="{BB962C8B-B14F-4D97-AF65-F5344CB8AC3E}">
-        <p14:creationId xmlns:p14="http://schemas.microsoft.com/office/powerpoint/2010/main" xmlns="" val="783601582"/>
+        <p14:creationId xmlns:p14="http://schemas.microsoft.com/office/powerpoint/2010/main" val="783601582"/>
+      </p:ext>
+    </p:extLst>
+  </p:cSld>
+  <p:clrMapOvr>
+    <a:masterClrMapping/>
+  </p:clrMapOvr>
+  <p:timing>
+    <p:tnLst>
+      <p:par>
+        <p:cTn id="1" dur="indefinite" restart="never" nodeType="tmRoot"/>
+      </p:par>
+    </p:tnLst>
+  </p:timing>
+</p:sld>
+</file>
+
+<file path=ppt/slides/slide10.xml><?xml version="1.0" encoding="utf-8"?>
+<p:sld xmlns:a="http://schemas.openxmlformats.org/drawingml/2006/main" xmlns:r="http://schemas.openxmlformats.org/officeDocument/2006/relationships" xmlns:p="http://schemas.openxmlformats.org/presentationml/2006/main">
+  <p:cSld>
+    <p:spTree>
+      <p:nvGrpSpPr>
+        <p:cNvPr id="1" name=""/>
+        <p:cNvGrpSpPr/>
+        <p:nvPr/>
+      </p:nvGrpSpPr>
+      <p:grpSpPr>
+        <a:xfrm>
+          <a:off x="0" y="0"/>
+          <a:ext cx="0" cy="0"/>
+          <a:chOff x="0" y="0"/>
+          <a:chExt cx="0" cy="0"/>
+        </a:xfrm>
+      </p:grpSpPr>
+      <p:sp>
+        <p:nvSpPr>
+          <p:cNvPr id="2" name="Título 1"/>
+          <p:cNvSpPr>
+            <a:spLocks noGrp="1"/>
+          </p:cNvSpPr>
+          <p:nvPr>
+            <p:ph type="title"/>
+          </p:nvPr>
+        </p:nvSpPr>
+        <p:spPr/>
+        <p:txBody>
+          <a:bodyPr>
+            <a:normAutofit/>
+          </a:bodyPr>
+          <a:lstStyle/>
+          <a:p>
+            <a:r>
+              <a:rPr lang="pt-BR" dirty="0" smtClean="0"/>
+              <a:t>Protótipo</a:t>
+            </a:r>
+            <a:endParaRPr lang="pt-BR" dirty="0"/>
+          </a:p>
+        </p:txBody>
+      </p:sp>
+      <p:sp>
+        <p:nvSpPr>
+          <p:cNvPr id="3" name="Espaço Reservado para Conteúdo 2"/>
+          <p:cNvSpPr>
+            <a:spLocks noGrp="1"/>
+          </p:cNvSpPr>
+          <p:nvPr>
+            <p:ph idx="1"/>
+          </p:nvPr>
+        </p:nvSpPr>
+        <p:spPr/>
+        <p:txBody>
+          <a:bodyPr/>
+          <a:lstStyle/>
+          <a:p>
+            <a:r>
+              <a:rPr lang="pt-BR" dirty="0" smtClean="0"/>
+              <a:t>Apresentação em sala.</a:t>
+            </a:r>
+            <a:endParaRPr lang="pt-BR" dirty="0"/>
+          </a:p>
+        </p:txBody>
+      </p:sp>
+    </p:spTree>
+    <p:extLst>
+      <p:ext uri="{BB962C8B-B14F-4D97-AF65-F5344CB8AC3E}">
+        <p14:creationId xmlns:p14="http://schemas.microsoft.com/office/powerpoint/2010/main" val="2714990097"/>
       </p:ext>
     </p:extLst>
   </p:cSld>
@@ -3247,14 +3285,14 @@
             <p:ph idx="1"/>
             <p:extLst>
               <p:ext uri="{D42A27DB-BD31-4B8C-83A1-F6EECF244321}">
-                <p14:modId xmlns:p14="http://schemas.microsoft.com/office/powerpoint/2010/main" xmlns="" val="82799969"/>
+                <p14:modId xmlns:p14="http://schemas.microsoft.com/office/powerpoint/2010/main" val="82799969"/>
               </p:ext>
             </p:extLst>
           </p:nvPr>
         </p:nvGraphicFramePr>
         <p:xfrm>
           <a:off x="457200" y="1600200"/>
-          <a:ext cx="8229600" cy="2966720"/>
+          <a:ext cx="8229600" cy="3235960"/>
         </p:xfrm>
         <a:graphic>
           <a:graphicData uri="http://schemas.openxmlformats.org/drawingml/2006/table">
@@ -3379,11 +3417,7 @@
                     <a:p>
                       <a:r>
                         <a:rPr lang="pt-BR" dirty="0" smtClean="0"/>
-                        <a:t>Realização dos Casos de </a:t>
-                      </a:r>
-                      <a:r>
-                        <a:rPr lang="pt-BR" dirty="0" smtClean="0"/>
-                        <a:t>Uso</a:t>
+                        <a:t>Realização dos Casos de Uso</a:t>
                       </a:r>
                       <a:endParaRPr lang="pt-BR" dirty="0"/>
                     </a:p>
@@ -3524,7 +3558,7 @@
     </p:spTree>
     <p:extLst>
       <p:ext uri="{BB962C8B-B14F-4D97-AF65-F5344CB8AC3E}">
-        <p14:creationId xmlns:p14="http://schemas.microsoft.com/office/powerpoint/2010/main" xmlns="" val="1230825846"/>
+        <p14:creationId xmlns:p14="http://schemas.microsoft.com/office/powerpoint/2010/main" val="1230825846"/>
       </p:ext>
     </p:extLst>
   </p:cSld>
@@ -3593,21 +3627,18 @@
         </p:nvSpPr>
         <p:spPr/>
         <p:txBody>
-          <a:bodyPr/>
-          <a:lstStyle/>
-          <a:p>
-            <a:r>
-              <a:rPr lang="pt-BR" dirty="0" smtClean="0"/>
-              <a:t>Apresentar a </a:t>
-            </a:r>
-            <a:r>
-              <a:rPr lang="pt-BR" dirty="0" smtClean="0"/>
-              <a:t>ideia </a:t>
-            </a:r>
-            <a:r>
-              <a:rPr lang="pt-BR" dirty="0" smtClean="0"/>
-              <a:t>do projeto, qual sua finalidade e seu público alvo.</a:t>
-            </a:r>
+          <a:bodyPr>
+            <a:normAutofit lnSpcReduction="10000"/>
+          </a:bodyPr>
+          <a:lstStyle/>
+          <a:p>
+            <a:r>
+              <a:rPr lang="pt-BR" dirty="0"/>
+              <a:t>A ferramenta de auxilio na decisão do desmame de ventilação mecânica ou F.A.D.D.V.M. é um sistema especialista que irá apoiar o profissional fisioterapeuta intensivista na tarefa de decisão quanto à retirada de um paciente da ventilação mecânica, a fim de reduzir os riscos que a decisão precipitada nesse momento pode causar ao paciente, a intensão do sistema é também reduzir os gastos extras que podem ser causados por esta decisão.</a:t>
+            </a:r>
+            <a:endParaRPr lang="en-US" dirty="0"/>
+          </a:p>
+          <a:p>
             <a:endParaRPr lang="pt-BR" dirty="0"/>
           </a:p>
         </p:txBody>
@@ -3615,7 +3646,7 @@
     </p:spTree>
     <p:extLst>
       <p:ext uri="{BB962C8B-B14F-4D97-AF65-F5344CB8AC3E}">
-        <p14:creationId xmlns:p14="http://schemas.microsoft.com/office/powerpoint/2010/main" xmlns="" val="3043613064"/>
+        <p14:creationId xmlns:p14="http://schemas.microsoft.com/office/powerpoint/2010/main" val="3043613064"/>
       </p:ext>
     </p:extLst>
   </p:cSld>
@@ -3676,7 +3707,7 @@
       </p:sp>
       <p:sp>
         <p:nvSpPr>
-          <p:cNvPr id="3" name="Espaço Reservado para Conteúdo 2"/>
+          <p:cNvPr id="5" name="Content Placeholder 4"/>
           <p:cNvSpPr>
             <a:spLocks noGrp="1"/>
           </p:cNvSpPr>
@@ -3691,34 +3722,39 @@
           <a:p>
             <a:r>
               <a:rPr lang="pt-BR" dirty="0" smtClean="0"/>
-              <a:t>Apresentar de forma gráfica a arquitetura do projeto com seus componentes, </a:t>
-            </a:r>
+              <a:t>Java / JSF</a:t>
+            </a:r>
+          </a:p>
+          <a:p>
             <a:r>
               <a:rPr lang="pt-BR" dirty="0" smtClean="0"/>
-              <a:t>linguagem</a:t>
+              <a:t>MySQL</a:t>
+            </a:r>
+          </a:p>
+          <a:p>
+            <a:r>
+              <a:rPr lang="pt-BR" dirty="0" err="1" smtClean="0"/>
+              <a:t>Glassfish</a:t>
+            </a:r>
+            <a:endParaRPr lang="pt-BR" dirty="0" smtClean="0"/>
+          </a:p>
+          <a:p>
+            <a:r>
+              <a:rPr lang="pt-BR" dirty="0" err="1" smtClean="0"/>
+              <a:t>Git</a:t>
             </a:r>
             <a:r>
               <a:rPr lang="pt-BR" dirty="0" smtClean="0"/>
-              <a:t>, tecnologia e frameworks </a:t>
-            </a:r>
-            <a:r>
-              <a:rPr lang="pt-BR" dirty="0" smtClean="0"/>
-              <a:t>adotados. </a:t>
-            </a:r>
-          </a:p>
-          <a:p>
-            <a:r>
-              <a:rPr lang="pt-BR" dirty="0" smtClean="0"/>
-              <a:t>Justificar as escolhas.</a:t>
-            </a:r>
-            <a:endParaRPr lang="pt-BR" dirty="0"/>
+              <a:t> Hub</a:t>
+            </a:r>
+            <a:endParaRPr lang="en-US" dirty="0"/>
           </a:p>
         </p:txBody>
       </p:sp>
     </p:spTree>
     <p:extLst>
       <p:ext uri="{BB962C8B-B14F-4D97-AF65-F5344CB8AC3E}">
-        <p14:creationId xmlns:p14="http://schemas.microsoft.com/office/powerpoint/2010/main" xmlns="" val="1286972208"/>
+        <p14:creationId xmlns:p14="http://schemas.microsoft.com/office/powerpoint/2010/main" val="1286972208"/>
       </p:ext>
     </p:extLst>
   </p:cSld>
@@ -3754,7 +3790,7 @@
       </p:grpSpPr>
       <p:sp>
         <p:nvSpPr>
-          <p:cNvPr id="2" name="Título 1"/>
+          <p:cNvPr id="2" name="Title 1"/>
           <p:cNvSpPr>
             <a:spLocks noGrp="1"/>
           </p:cNvSpPr>
@@ -3769,69 +3805,45 @@
           <a:p>
             <a:r>
               <a:rPr lang="pt-BR" dirty="0" smtClean="0"/>
-              <a:t>Realização dos Casos de Uso</a:t>
-            </a:r>
-            <a:endParaRPr lang="pt-BR" dirty="0"/>
-          </a:p>
-        </p:txBody>
-      </p:sp>
-      <p:sp>
-        <p:nvSpPr>
-          <p:cNvPr id="3" name="Espaço Reservado para Conteúdo 2"/>
-          <p:cNvSpPr>
-            <a:spLocks noGrp="1"/>
-          </p:cNvSpPr>
+              <a:t>Arquitetura</a:t>
+            </a:r>
+            <a:endParaRPr lang="en-US" dirty="0"/>
+          </a:p>
+        </p:txBody>
+      </p:sp>
+      <p:pic>
+        <p:nvPicPr>
+          <p:cNvPr id="4" name="Content Placeholder 3"/>
+          <p:cNvPicPr>
+            <a:picLocks noGrp="1" noChangeAspect="1"/>
+          </p:cNvPicPr>
           <p:nvPr>
             <p:ph idx="1"/>
           </p:nvPr>
-        </p:nvSpPr>
-        <p:spPr/>
-        <p:txBody>
-          <a:bodyPr/>
-          <a:lstStyle/>
-          <a:p>
-            <a:r>
-              <a:rPr lang="pt-BR" dirty="0" smtClean="0"/>
-              <a:t>Preparar </a:t>
-            </a:r>
-            <a:r>
-              <a:rPr lang="pt-BR" dirty="0" smtClean="0"/>
-              <a:t>material para todos os </a:t>
-            </a:r>
-            <a:r>
-              <a:rPr lang="pt-BR" dirty="0" smtClean="0"/>
-              <a:t>casos de uso escolhidos </a:t>
-            </a:r>
-            <a:r>
-              <a:rPr lang="pt-BR" dirty="0" smtClean="0"/>
-              <a:t>na banca de </a:t>
-            </a:r>
-            <a:r>
-              <a:rPr lang="pt-BR" dirty="0" smtClean="0"/>
-              <a:t>análise.</a:t>
-            </a:r>
-          </a:p>
-          <a:p>
-            <a:r>
-              <a:rPr lang="pt-BR" dirty="0" smtClean="0"/>
-              <a:t>A </a:t>
-            </a:r>
-            <a:r>
-              <a:rPr lang="pt-BR" dirty="0" smtClean="0"/>
-              <a:t>banca Design escolherá </a:t>
-            </a:r>
-            <a:r>
-              <a:rPr lang="pt-BR" dirty="0" smtClean="0"/>
-              <a:t>qual deverá ser apresentado. </a:t>
-            </a:r>
-            <a:endParaRPr lang="pt-BR" dirty="0"/>
-          </a:p>
-        </p:txBody>
-      </p:sp>
+        </p:nvPicPr>
+        <p:blipFill>
+          <a:blip r:embed="rId2">
+            <a:extLst>
+              <a:ext uri="{28A0092B-C50C-407E-A947-70E740481C1C}">
+                <a14:useLocalDpi xmlns:a14="http://schemas.microsoft.com/office/drawing/2010/main" val="0"/>
+              </a:ext>
+            </a:extLst>
+          </a:blip>
+          <a:stretch>
+            <a:fillRect/>
+          </a:stretch>
+        </p:blipFill>
+        <p:spPr>
+          <a:xfrm>
+            <a:off x="1331640" y="1187096"/>
+            <a:ext cx="6624736" cy="5568982"/>
+          </a:xfrm>
+        </p:spPr>
+      </p:pic>
     </p:spTree>
     <p:extLst>
       <p:ext uri="{BB962C8B-B14F-4D97-AF65-F5344CB8AC3E}">
-        <p14:creationId xmlns:p14="http://schemas.microsoft.com/office/powerpoint/2010/main" xmlns="" val="289767697"/>
+        <p14:creationId xmlns:p14="http://schemas.microsoft.com/office/powerpoint/2010/main" val="1890987671"/>
       </p:ext>
     </p:extLst>
   </p:cSld>
@@ -3884,35 +3896,49 @@
           <a:p>
             <a:r>
               <a:rPr lang="pt-BR" dirty="0" smtClean="0"/>
-              <a:t>Diagrama de Classes Geral da Aplicação</a:t>
+              <a:t>CASO </a:t>
+            </a:r>
+            <a:r>
+              <a:rPr lang="pt-BR" dirty="0"/>
+              <a:t>DE USO 02 – MANTER HISTÓRICO DO PACIENTE</a:t>
             </a:r>
             <a:endParaRPr lang="pt-BR" dirty="0"/>
           </a:p>
         </p:txBody>
       </p:sp>
-      <p:sp>
-        <p:nvSpPr>
-          <p:cNvPr id="3" name="Espaço Reservado para Conteúdo 2"/>
-          <p:cNvSpPr>
-            <a:spLocks noGrp="1"/>
-          </p:cNvSpPr>
+      <p:pic>
+        <p:nvPicPr>
+          <p:cNvPr id="4" name="Content Placeholder 3"/>
+          <p:cNvPicPr>
+            <a:picLocks noGrp="1" noChangeAspect="1"/>
+          </p:cNvPicPr>
           <p:nvPr>
             <p:ph idx="1"/>
           </p:nvPr>
-        </p:nvSpPr>
-        <p:spPr/>
-        <p:txBody>
-          <a:bodyPr/>
-          <a:lstStyle/>
-          <a:p>
-            <a:endParaRPr lang="pt-BR"/>
-          </a:p>
-        </p:txBody>
-      </p:sp>
+        </p:nvPicPr>
+        <p:blipFill>
+          <a:blip r:embed="rId2" cstate="print">
+            <a:extLst>
+              <a:ext uri="{28A0092B-C50C-407E-A947-70E740481C1C}">
+                <a14:useLocalDpi xmlns:a14="http://schemas.microsoft.com/office/drawing/2010/main" val="0"/>
+              </a:ext>
+            </a:extLst>
+          </a:blip>
+          <a:stretch>
+            <a:fillRect/>
+          </a:stretch>
+        </p:blipFill>
+        <p:spPr>
+          <a:xfrm rot="5400000">
+            <a:off x="1937959" y="1118260"/>
+            <a:ext cx="5268079" cy="5904656"/>
+          </a:xfrm>
+        </p:spPr>
+      </p:pic>
     </p:spTree>
     <p:extLst>
       <p:ext uri="{BB962C8B-B14F-4D97-AF65-F5344CB8AC3E}">
-        <p14:creationId xmlns:p14="http://schemas.microsoft.com/office/powerpoint/2010/main" xmlns="" val="2714990097"/>
+        <p14:creationId xmlns:p14="http://schemas.microsoft.com/office/powerpoint/2010/main" val="289767697"/>
       </p:ext>
     </p:extLst>
   </p:cSld>
@@ -3958,131 +3984,56 @@
         </p:nvSpPr>
         <p:spPr/>
         <p:txBody>
-          <a:bodyPr/>
+          <a:bodyPr>
+            <a:normAutofit fontScale="90000"/>
+          </a:bodyPr>
           <a:lstStyle/>
           <a:p>
             <a:r>
               <a:rPr lang="pt-BR" dirty="0" smtClean="0"/>
-              <a:t>Modelo de Dados da Aplicação</a:t>
+              <a:t>CASO </a:t>
+            </a:r>
+            <a:r>
+              <a:rPr lang="pt-BR" dirty="0"/>
+              <a:t>DE USO 05 – MANTER CATEGORIA</a:t>
             </a:r>
             <a:endParaRPr lang="pt-BR" dirty="0"/>
           </a:p>
         </p:txBody>
       </p:sp>
-      <p:sp>
-        <p:nvSpPr>
-          <p:cNvPr id="3" name="Espaço Reservado para Conteúdo 2"/>
-          <p:cNvSpPr>
-            <a:spLocks noGrp="1"/>
-          </p:cNvSpPr>
+      <p:pic>
+        <p:nvPicPr>
+          <p:cNvPr id="5" name="Content Placeholder 4"/>
+          <p:cNvPicPr>
+            <a:picLocks noGrp="1" noChangeAspect="1"/>
+          </p:cNvPicPr>
           <p:nvPr>
             <p:ph idx="1"/>
           </p:nvPr>
-        </p:nvSpPr>
-        <p:spPr/>
-        <p:txBody>
-          <a:bodyPr/>
-          <a:lstStyle/>
-          <a:p>
-            <a:r>
-              <a:rPr lang="pt-BR" dirty="0" smtClean="0"/>
-              <a:t>Deve conter:</a:t>
-            </a:r>
-          </a:p>
-          <a:p>
-            <a:pPr marL="914400" lvl="1" indent="-514350">
-              <a:buFont typeface="+mj-lt"/>
-              <a:buAutoNum type="arabicPeriod"/>
-            </a:pPr>
-            <a:r>
-              <a:rPr lang="pt-BR" dirty="0" smtClean="0"/>
-              <a:t>Todas as tabelas;</a:t>
-            </a:r>
-            <a:endParaRPr lang="pt-BR" dirty="0" smtClean="0"/>
-          </a:p>
-          <a:p>
-            <a:pPr marL="914400" lvl="1" indent="-514350">
-              <a:buFont typeface="+mj-lt"/>
-              <a:buAutoNum type="arabicPeriod"/>
-            </a:pPr>
-            <a:r>
-              <a:rPr lang="pt-BR" dirty="0" smtClean="0"/>
-              <a:t>Chave principal de cada tabela e estrangeiras;</a:t>
-            </a:r>
-            <a:endParaRPr lang="pt-BR" dirty="0" smtClean="0"/>
-          </a:p>
-          <a:p>
-            <a:pPr marL="914400" lvl="1" indent="-514350">
-              <a:buFont typeface="+mj-lt"/>
-              <a:buAutoNum type="arabicPeriod"/>
-            </a:pPr>
-            <a:r>
-              <a:rPr lang="pt-BR" dirty="0" smtClean="0"/>
-              <a:t>Todos os </a:t>
-            </a:r>
-            <a:r>
-              <a:rPr lang="pt-BR" dirty="0" smtClean="0"/>
-              <a:t>relacionamentos.</a:t>
-            </a:r>
-          </a:p>
-          <a:p>
-            <a:pPr marL="914400" lvl="1" indent="-514350">
-              <a:buFont typeface="+mj-lt"/>
-              <a:buAutoNum type="arabicPeriod"/>
-            </a:pPr>
-            <a:r>
-              <a:rPr lang="pt-BR" dirty="0" err="1" smtClean="0"/>
-              <a:t>Constraints</a:t>
-            </a:r>
-            <a:r>
-              <a:rPr lang="pt-BR" dirty="0" smtClean="0"/>
-              <a:t> que garantam que uma mesma informação não seja gravada mais de uma vez.  Exemplos:</a:t>
-            </a:r>
-          </a:p>
-          <a:p>
-            <a:pPr marL="1771650" lvl="3" indent="-514350">
-              <a:buFont typeface="Courier New" pitchFamily="49" charset="0"/>
-              <a:buChar char="o"/>
-            </a:pPr>
-            <a:r>
-              <a:rPr lang="pt-BR" dirty="0" smtClean="0"/>
-              <a:t>U</a:t>
-            </a:r>
-            <a:r>
-              <a:rPr lang="pt-BR" dirty="0" smtClean="0"/>
-              <a:t>m cliente não tenha mais que um registro na tabela;</a:t>
-            </a:r>
-          </a:p>
-          <a:p>
-            <a:pPr marL="1771650" lvl="3" indent="-514350">
-              <a:buFont typeface="Courier New" pitchFamily="49" charset="0"/>
-              <a:buChar char="o"/>
-            </a:pPr>
-            <a:r>
-              <a:rPr lang="pt-BR" dirty="0" smtClean="0"/>
-              <a:t>Uma descrição de atividade não pode aparecer com o mesmo conteúdo em mais que um registro na tabela, etc...   </a:t>
-            </a:r>
-          </a:p>
-          <a:p>
-            <a:pPr marL="914400" lvl="1" indent="-514350">
-              <a:buFont typeface="+mj-lt"/>
-              <a:buAutoNum type="arabicPeriod"/>
-            </a:pPr>
-            <a:endParaRPr lang="pt-BR" dirty="0" smtClean="0"/>
-          </a:p>
-          <a:p>
-            <a:pPr marL="914400" lvl="1" indent="-514350">
-              <a:buFont typeface="+mj-lt"/>
-              <a:buAutoNum type="arabicPeriod"/>
-            </a:pPr>
-            <a:endParaRPr lang="pt-BR" dirty="0"/>
-          </a:p>
-        </p:txBody>
-      </p:sp>
+        </p:nvPicPr>
+        <p:blipFill>
+          <a:blip r:embed="rId2" cstate="print">
+            <a:extLst>
+              <a:ext uri="{28A0092B-C50C-407E-A947-70E740481C1C}">
+                <a14:useLocalDpi xmlns:a14="http://schemas.microsoft.com/office/drawing/2010/main" val="0"/>
+              </a:ext>
+            </a:extLst>
+          </a:blip>
+          <a:stretch>
+            <a:fillRect/>
+          </a:stretch>
+        </p:blipFill>
+        <p:spPr>
+          <a:xfrm>
+            <a:off x="2627784" y="1412776"/>
+            <a:ext cx="3755775" cy="5356598"/>
+          </a:xfrm>
+        </p:spPr>
+      </p:pic>
     </p:spTree>
     <p:extLst>
       <p:ext uri="{BB962C8B-B14F-4D97-AF65-F5344CB8AC3E}">
-        <p14:creationId xmlns:p14="http://schemas.microsoft.com/office/powerpoint/2010/main" xmlns="" val="3004137010"/>
+        <p14:creationId xmlns:p14="http://schemas.microsoft.com/office/powerpoint/2010/main" val="529985630"/>
       </p:ext>
     </p:extLst>
   </p:cSld>
@@ -4129,45 +4080,142 @@
         <p:spPr/>
         <p:txBody>
           <a:bodyPr>
-            <a:normAutofit/>
+            <a:normAutofit fontScale="90000"/>
           </a:bodyPr>
           <a:lstStyle/>
           <a:p>
             <a:r>
               <a:rPr lang="pt-BR" dirty="0" smtClean="0"/>
-              <a:t>Protótipo</a:t>
+              <a:t>Diagrama de Classes Geral da Aplicação</a:t>
             </a:r>
             <a:endParaRPr lang="pt-BR" dirty="0"/>
           </a:p>
         </p:txBody>
       </p:sp>
-      <p:sp>
-        <p:nvSpPr>
-          <p:cNvPr id="3" name="Espaço Reservado para Conteúdo 2"/>
-          <p:cNvSpPr>
-            <a:spLocks noGrp="1"/>
-          </p:cNvSpPr>
+      <p:pic>
+        <p:nvPicPr>
+          <p:cNvPr id="4" name="Content Placeholder 3"/>
+          <p:cNvPicPr>
+            <a:picLocks noGrp="1" noChangeAspect="1"/>
+          </p:cNvPicPr>
           <p:nvPr>
             <p:ph idx="1"/>
           </p:nvPr>
-        </p:nvSpPr>
-        <p:spPr/>
-        <p:txBody>
-          <a:bodyPr/>
-          <a:lstStyle/>
-          <a:p>
-            <a:r>
-              <a:rPr lang="pt-BR" dirty="0" smtClean="0"/>
-              <a:t>Apresentar o protótipo de todas as telas do sistema permitindo a navegação entre elas. </a:t>
-            </a:r>
-            <a:endParaRPr lang="pt-BR" dirty="0"/>
-          </a:p>
-        </p:txBody>
-      </p:sp>
+        </p:nvPicPr>
+        <p:blipFill>
+          <a:blip r:embed="rId2">
+            <a:extLst>
+              <a:ext uri="{28A0092B-C50C-407E-A947-70E740481C1C}">
+                <a14:useLocalDpi xmlns:a14="http://schemas.microsoft.com/office/drawing/2010/main" val="0"/>
+              </a:ext>
+            </a:extLst>
+          </a:blip>
+          <a:stretch>
+            <a:fillRect/>
+          </a:stretch>
+        </p:blipFill>
+        <p:spPr>
+          <a:xfrm>
+            <a:off x="2267744" y="1421590"/>
+            <a:ext cx="4896544" cy="5275776"/>
+          </a:xfrm>
+        </p:spPr>
+      </p:pic>
     </p:spTree>
     <p:extLst>
       <p:ext uri="{BB962C8B-B14F-4D97-AF65-F5344CB8AC3E}">
-        <p14:creationId xmlns:p14="http://schemas.microsoft.com/office/powerpoint/2010/main" xmlns="" val="2714990097"/>
+        <p14:creationId xmlns:p14="http://schemas.microsoft.com/office/powerpoint/2010/main" val="2714990097"/>
+      </p:ext>
+    </p:extLst>
+  </p:cSld>
+  <p:clrMapOvr>
+    <a:masterClrMapping/>
+  </p:clrMapOvr>
+  <p:timing>
+    <p:tnLst>
+      <p:par>
+        <p:cTn id="1" dur="indefinite" restart="never" nodeType="tmRoot"/>
+      </p:par>
+    </p:tnLst>
+  </p:timing>
+</p:sld>
+</file>
+
+<file path=ppt/slides/slide9.xml><?xml version="1.0" encoding="utf-8"?>
+<p:sld xmlns:a="http://schemas.openxmlformats.org/drawingml/2006/main" xmlns:r="http://schemas.openxmlformats.org/officeDocument/2006/relationships" xmlns:p="http://schemas.openxmlformats.org/presentationml/2006/main">
+  <p:cSld>
+    <p:spTree>
+      <p:nvGrpSpPr>
+        <p:cNvPr id="1" name=""/>
+        <p:cNvGrpSpPr/>
+        <p:nvPr/>
+      </p:nvGrpSpPr>
+      <p:grpSpPr>
+        <a:xfrm>
+          <a:off x="0" y="0"/>
+          <a:ext cx="0" cy="0"/>
+          <a:chOff x="0" y="0"/>
+          <a:chExt cx="0" cy="0"/>
+        </a:xfrm>
+      </p:grpSpPr>
+      <p:sp>
+        <p:nvSpPr>
+          <p:cNvPr id="2" name="Título 1"/>
+          <p:cNvSpPr>
+            <a:spLocks noGrp="1"/>
+          </p:cNvSpPr>
+          <p:nvPr>
+            <p:ph type="title"/>
+          </p:nvPr>
+        </p:nvSpPr>
+        <p:spPr/>
+        <p:txBody>
+          <a:bodyPr>
+            <a:normAutofit fontScale="90000"/>
+          </a:bodyPr>
+          <a:lstStyle/>
+          <a:p>
+            <a:r>
+              <a:rPr lang="pt-BR" dirty="0" smtClean="0"/>
+              <a:t>Modelo de Dados da Aplicação</a:t>
+            </a:r>
+            <a:endParaRPr lang="pt-BR" dirty="0"/>
+          </a:p>
+        </p:txBody>
+      </p:sp>
+      <p:pic>
+        <p:nvPicPr>
+          <p:cNvPr id="5" name="Content Placeholder 4"/>
+          <p:cNvPicPr>
+            <a:picLocks noGrp="1" noChangeAspect="1"/>
+          </p:cNvPicPr>
+          <p:nvPr>
+            <p:ph idx="1"/>
+          </p:nvPr>
+        </p:nvPicPr>
+        <p:blipFill>
+          <a:blip r:embed="rId2">
+            <a:extLst>
+              <a:ext uri="{28A0092B-C50C-407E-A947-70E740481C1C}">
+                <a14:useLocalDpi xmlns:a14="http://schemas.microsoft.com/office/drawing/2010/main" val="0"/>
+              </a:ext>
+            </a:extLst>
+          </a:blip>
+          <a:stretch>
+            <a:fillRect/>
+          </a:stretch>
+        </p:blipFill>
+        <p:spPr>
+          <a:xfrm>
+            <a:off x="395536" y="1340768"/>
+            <a:ext cx="8216373" cy="5330335"/>
+          </a:xfrm>
+        </p:spPr>
+      </p:pic>
+    </p:spTree>
+    <p:extLst>
+      <p:ext uri="{BB962C8B-B14F-4D97-AF65-F5344CB8AC3E}">
+        <p14:creationId xmlns:p14="http://schemas.microsoft.com/office/powerpoint/2010/main" val="3004137010"/>
       </p:ext>
     </p:extLst>
   </p:cSld>
@@ -4185,9 +4233,9 @@
 </file>
 
 <file path=ppt/theme/theme1.xml><?xml version="1.0" encoding="utf-8"?>
-<a:theme xmlns:a="http://schemas.openxmlformats.org/drawingml/2006/main" name="Tema do Office">
+<a:theme xmlns:a="http://schemas.openxmlformats.org/drawingml/2006/main" name="Apex">
   <a:themeElements>
-    <a:clrScheme name="Escritório">
+    <a:clrScheme name="Apex">
       <a:dk1>
         <a:sysClr val="windowText" lastClr="000000"/>
       </a:dk1>
@@ -4195,48 +4243,87 @@
         <a:sysClr val="window" lastClr="FFFFFF"/>
       </a:lt1>
       <a:dk2>
-        <a:srgbClr val="1F497D"/>
+        <a:srgbClr val="69676D"/>
       </a:dk2>
       <a:lt2>
-        <a:srgbClr val="EEECE1"/>
+        <a:srgbClr val="C9C2D1"/>
       </a:lt2>
       <a:accent1>
-        <a:srgbClr val="4F81BD"/>
+        <a:srgbClr val="CEB966"/>
       </a:accent1>
       <a:accent2>
-        <a:srgbClr val="C0504D"/>
+        <a:srgbClr val="9CB084"/>
       </a:accent2>
       <a:accent3>
-        <a:srgbClr val="9BBB59"/>
+        <a:srgbClr val="6BB1C9"/>
       </a:accent3>
       <a:accent4>
-        <a:srgbClr val="8064A2"/>
+        <a:srgbClr val="6585CF"/>
       </a:accent4>
       <a:accent5>
-        <a:srgbClr val="4BACC6"/>
+        <a:srgbClr val="7E6BC9"/>
       </a:accent5>
       <a:accent6>
-        <a:srgbClr val="F79646"/>
+        <a:srgbClr val="A379BB"/>
       </a:accent6>
       <a:hlink>
-        <a:srgbClr val="0000FF"/>
+        <a:srgbClr val="410082"/>
       </a:hlink>
       <a:folHlink>
-        <a:srgbClr val="800080"/>
+        <a:srgbClr val="932968"/>
       </a:folHlink>
     </a:clrScheme>
-    <a:fontScheme name="Escritório">
+    <a:fontScheme name="Apex">
       <a:majorFont>
-        <a:latin typeface="Calibri"/>
+        <a:latin typeface="Lucida Sans"/>
         <a:ea typeface=""/>
         <a:cs typeface=""/>
-        <a:font script="Jpan" typeface="ＭＳ Ｐゴシック"/>
-        <a:font script="Hang" typeface="맑은 고딕"/>
+        <a:font script="Grek" typeface="Arial"/>
+        <a:font script="Cyrl" typeface="Arial"/>
+        <a:font script="Jpan" typeface="HG丸ｺﾞｼｯｸM-PRO"/>
+        <a:font script="Hang" typeface="휴먼옛체"/>
+        <a:font script="Hans" typeface="黑体"/>
+        <a:font script="Hant" typeface="微軟正黑體"/>
+        <a:font script="Arab" typeface="Tahoma"/>
+        <a:font script="Hebr" typeface="Levenim MT"/>
+        <a:font script="Thai" typeface="FreesiaUPC"/>
+        <a:font script="Ethi" typeface="Nyala"/>
+        <a:font script="Beng" typeface="Vrinda"/>
+        <a:font script="Gujr" typeface="Shruti"/>
+        <a:font script="Khmr" typeface="DaunPenh"/>
+        <a:font script="Knda" typeface="Tunga"/>
+        <a:font script="Guru" typeface="Raavi"/>
+        <a:font script="Cans" typeface="Euphemia"/>
+        <a:font script="Cher" typeface="Plantagenet Cherokee"/>
+        <a:font script="Yiii" typeface="Microsoft Yi Baiti"/>
+        <a:font script="Tibt" typeface="Microsoft Himalaya"/>
+        <a:font script="Thaa" typeface="MV Boli"/>
+        <a:font script="Deva" typeface="Mangal"/>
+        <a:font script="Telu" typeface="Gautami"/>
+        <a:font script="Taml" typeface="Latha"/>
+        <a:font script="Syrc" typeface="Estrangelo Edessa"/>
+        <a:font script="Orya" typeface="Kalinga"/>
+        <a:font script="Mlym" typeface="Kartika"/>
+        <a:font script="Laoo" typeface="DokChampa"/>
+        <a:font script="Sinh" typeface="Iskoola Pota"/>
+        <a:font script="Mong" typeface="Mongolian Baiti"/>
+        <a:font script="Viet" typeface="Tahoma"/>
+        <a:font script="Uigh" typeface="Microsoft Uighur"/>
+        <a:font script="Geor" typeface="Sylfaen"/>
+      </a:majorFont>
+      <a:minorFont>
+        <a:latin typeface="Book Antiqua"/>
+        <a:ea typeface=""/>
+        <a:cs typeface=""/>
+        <a:font script="Grek" typeface="Times New Roman"/>
+        <a:font script="Cyrl" typeface="Times New Roman"/>
+        <a:font script="Jpan" typeface="HG明朝B"/>
+        <a:font script="Hang" typeface="돋움"/>
         <a:font script="Hans" typeface="宋体"/>
         <a:font script="Hant" typeface="新細明體"/>
         <a:font script="Arab" typeface="Times New Roman"/>
-        <a:font script="Hebr" typeface="Times New Roman"/>
-        <a:font script="Thai" typeface="Angsana New"/>
+        <a:font script="Hebr" typeface="David"/>
+        <a:font script="Thai" typeface="EucrosiaUPC"/>
         <a:font script="Ethi" typeface="Nyala"/>
         <a:font script="Beng" typeface="Vrinda"/>
         <a:font script="Gujr" typeface="Shruti"/>
@@ -4260,101 +4347,75 @@
         <a:font script="Viet" typeface="Times New Roman"/>
         <a:font script="Uigh" typeface="Microsoft Uighur"/>
         <a:font script="Geor" typeface="Sylfaen"/>
-      </a:majorFont>
-      <a:minorFont>
-        <a:latin typeface="Calibri"/>
-        <a:ea typeface=""/>
-        <a:cs typeface=""/>
-        <a:font script="Jpan" typeface="ＭＳ Ｐゴシック"/>
-        <a:font script="Hang" typeface="맑은 고딕"/>
-        <a:font script="Hans" typeface="宋体"/>
-        <a:font script="Hant" typeface="新細明體"/>
-        <a:font script="Arab" typeface="Arial"/>
-        <a:font script="Hebr" typeface="Arial"/>
-        <a:font script="Thai" typeface="Cordia New"/>
-        <a:font script="Ethi" typeface="Nyala"/>
-        <a:font script="Beng" typeface="Vrinda"/>
-        <a:font script="Gujr" typeface="Shruti"/>
-        <a:font script="Khmr" typeface="DaunPenh"/>
-        <a:font script="Knda" typeface="Tunga"/>
-        <a:font script="Guru" typeface="Raavi"/>
-        <a:font script="Cans" typeface="Euphemia"/>
-        <a:font script="Cher" typeface="Plantagenet Cherokee"/>
-        <a:font script="Yiii" typeface="Microsoft Yi Baiti"/>
-        <a:font script="Tibt" typeface="Microsoft Himalaya"/>
-        <a:font script="Thaa" typeface="MV Boli"/>
-        <a:font script="Deva" typeface="Mangal"/>
-        <a:font script="Telu" typeface="Gautami"/>
-        <a:font script="Taml" typeface="Latha"/>
-        <a:font script="Syrc" typeface="Estrangelo Edessa"/>
-        <a:font script="Orya" typeface="Kalinga"/>
-        <a:font script="Mlym" typeface="Kartika"/>
-        <a:font script="Laoo" typeface="DokChampa"/>
-        <a:font script="Sinh" typeface="Iskoola Pota"/>
-        <a:font script="Mong" typeface="Mongolian Baiti"/>
-        <a:font script="Viet" typeface="Arial"/>
-        <a:font script="Uigh" typeface="Microsoft Uighur"/>
-        <a:font script="Geor" typeface="Sylfaen"/>
       </a:minorFont>
     </a:fontScheme>
-    <a:fmtScheme name="Escritório">
+    <a:fmtScheme name="Apex">
       <a:fillStyleLst>
         <a:solidFill>
           <a:schemeClr val="phClr"/>
         </a:solidFill>
         <a:gradFill rotWithShape="1">
           <a:gsLst>
-            <a:gs pos="0">
+            <a:gs pos="20000">
               <a:schemeClr val="phClr">
-                <a:tint val="50000"/>
-                <a:satMod val="300000"/>
-              </a:schemeClr>
-            </a:gs>
-            <a:gs pos="35000">
-              <a:schemeClr val="phClr">
-                <a:tint val="37000"/>
-                <a:satMod val="300000"/>
+                <a:tint val="9000"/>
               </a:schemeClr>
             </a:gs>
             <a:gs pos="100000">
               <a:schemeClr val="phClr">
-                <a:tint val="15000"/>
-                <a:satMod val="350000"/>
+                <a:tint val="70000"/>
+                <a:satMod val="100000"/>
               </a:schemeClr>
             </a:gs>
           </a:gsLst>
-          <a:lin ang="16200000" scaled="1"/>
+          <a:path path="circle">
+            <a:fillToRect l="-15000" t="-15000" r="115000" b="115000"/>
+          </a:path>
         </a:gradFill>
         <a:gradFill rotWithShape="1">
           <a:gsLst>
             <a:gs pos="0">
               <a:schemeClr val="phClr">
-                <a:shade val="51000"/>
-                <a:satMod val="130000"/>
+                <a:shade val="60000"/>
               </a:schemeClr>
             </a:gs>
-            <a:gs pos="80000">
+            <a:gs pos="33000">
               <a:schemeClr val="phClr">
-                <a:shade val="93000"/>
-                <a:satMod val="130000"/>
+                <a:tint val="86500"/>
+              </a:schemeClr>
+            </a:gs>
+            <a:gs pos="46750">
+              <a:schemeClr val="phClr">
+                <a:tint val="71000"/>
+                <a:satMod val="112000"/>
+              </a:schemeClr>
+            </a:gs>
+            <a:gs pos="53000">
+              <a:schemeClr val="phClr">
+                <a:tint val="71000"/>
+                <a:satMod val="112000"/>
+              </a:schemeClr>
+            </a:gs>
+            <a:gs pos="68000">
+              <a:schemeClr val="phClr">
+                <a:tint val="86000"/>
               </a:schemeClr>
             </a:gs>
             <a:gs pos="100000">
               <a:schemeClr val="phClr">
-                <a:shade val="94000"/>
-                <a:satMod val="135000"/>
+                <a:shade val="60000"/>
               </a:schemeClr>
             </a:gs>
           </a:gsLst>
-          <a:lin ang="16200000" scaled="0"/>
+          <a:lin ang="8350000" scaled="1"/>
         </a:gradFill>
       </a:fillStyleLst>
       <a:lnStyleLst>
         <a:ln w="9525" cap="flat" cmpd="sng" algn="ctr">
           <a:solidFill>
             <a:schemeClr val="phClr">
-              <a:shade val="95000"/>
-              <a:satMod val="105000"/>
+              <a:shade val="48000"/>
+              <a:satMod val="110000"/>
             </a:schemeClr>
           </a:solidFill>
           <a:prstDash val="solid"/>
@@ -4375,16 +4436,7 @@
       <a:effectStyleLst>
         <a:effectStyle>
           <a:effectLst>
-            <a:outerShdw blurRad="40000" dist="20000" dir="5400000" rotWithShape="0">
-              <a:srgbClr val="000000">
-                <a:alpha val="38000"/>
-              </a:srgbClr>
-            </a:outerShdw>
-          </a:effectLst>
-        </a:effectStyle>
-        <a:effectStyle>
-          <a:effectLst>
-            <a:outerShdw blurRad="40000" dist="23000" dir="5400000" rotWithShape="0">
+            <a:outerShdw blurRad="130000" dist="101600" dir="2700000" algn="tl" rotWithShape="0">
               <a:srgbClr val="000000">
                 <a:alpha val="35000"/>
               </a:srgbClr>
@@ -4393,22 +4445,31 @@
         </a:effectStyle>
         <a:effectStyle>
           <a:effectLst>
-            <a:outerShdw blurRad="40000" dist="23000" dir="5400000" rotWithShape="0">
+            <a:outerShdw blurRad="190500" dist="228600" dir="2700000" sy="90000" rotWithShape="0">
               <a:srgbClr val="000000">
-                <a:alpha val="35000"/>
+                <a:alpha val="25500"/>
+              </a:srgbClr>
+            </a:outerShdw>
+          </a:effectLst>
+        </a:effectStyle>
+        <a:effectStyle>
+          <a:effectLst>
+            <a:outerShdw blurRad="190500" dist="228600" dir="2700000" sy="90000" rotWithShape="0">
+              <a:srgbClr val="000000">
+                <a:alpha val="25500"/>
               </a:srgbClr>
             </a:outerShdw>
           </a:effectLst>
           <a:scene3d>
-            <a:camera prst="orthographicFront">
+            <a:camera prst="orthographicFront" fov="0">
               <a:rot lat="0" lon="0" rev="0"/>
             </a:camera>
-            <a:lightRig rig="threePt" dir="t">
-              <a:rot lat="0" lon="0" rev="1200000"/>
+            <a:lightRig rig="soft" dir="tl">
+              <a:rot lat="0" lon="0" rev="20100000"/>
             </a:lightRig>
           </a:scene3d>
           <a:sp3d>
-            <a:bevelT w="63500" h="25400"/>
+            <a:bevelT w="50800" h="50800"/>
           </a:sp3d>
         </a:effectStyle>
       </a:effectStyleLst>
@@ -4420,47 +4481,38 @@
           <a:gsLst>
             <a:gs pos="0">
               <a:schemeClr val="phClr">
-                <a:tint val="40000"/>
-                <a:satMod val="350000"/>
-              </a:schemeClr>
-            </a:gs>
-            <a:gs pos="40000">
-              <a:schemeClr val="phClr">
-                <a:tint val="45000"/>
-                <a:shade val="99000"/>
-                <a:satMod val="350000"/>
+                <a:tint val="50000"/>
+                <a:satMod val="180000"/>
               </a:schemeClr>
             </a:gs>
             <a:gs pos="100000">
               <a:schemeClr val="phClr">
-                <a:shade val="20000"/>
-                <a:satMod val="255000"/>
+                <a:shade val="45000"/>
+                <a:satMod val="120000"/>
               </a:schemeClr>
             </a:gs>
           </a:gsLst>
           <a:path path="circle">
-            <a:fillToRect l="50000" t="-80000" r="50000" b="180000"/>
+            <a:fillToRect r="100000" b="100000"/>
           </a:path>
         </a:gradFill>
-        <a:gradFill rotWithShape="1">
-          <a:gsLst>
-            <a:gs pos="0">
+        <a:blipFill>
+          <a:blip xmlns:r="http://schemas.openxmlformats.org/officeDocument/2006/relationships" r:embed="rId1">
+            <a:duotone>
               <a:schemeClr val="phClr">
-                <a:tint val="80000"/>
-                <a:satMod val="300000"/>
+                <a:shade val="3000"/>
+                <a:satMod val="110000"/>
               </a:schemeClr>
-            </a:gs>
-            <a:gs pos="100000">
               <a:schemeClr val="phClr">
-                <a:shade val="30000"/>
-                <a:satMod val="200000"/>
+                <a:tint val="60000"/>
+                <a:satMod val="425000"/>
               </a:schemeClr>
-            </a:gs>
-          </a:gsLst>
-          <a:path path="circle">
-            <a:fillToRect l="50000" t="50000" r="50000" b="50000"/>
-          </a:path>
-        </a:gradFill>
+            </a:duotone>
+          </a:blip>
+          <a:stretch>
+            <a:fillRect/>
+          </a:stretch>
+        </a:blipFill>
       </a:bgFillStyleLst>
     </a:fmtScheme>
   </a:themeElements>
